--- a/doc/구조/웹페이지구조.pptx
+++ b/doc/구조/웹페이지구조.pptx
@@ -7,21 +7,22 @@
   <p:sldIdLst>
     <p:sldId id="256" r:id="rId2"/>
     <p:sldId id="257" r:id="rId3"/>
-    <p:sldId id="271" r:id="rId4"/>
-    <p:sldId id="272" r:id="rId5"/>
-    <p:sldId id="258" r:id="rId6"/>
-    <p:sldId id="259" r:id="rId7"/>
-    <p:sldId id="263" r:id="rId8"/>
-    <p:sldId id="260" r:id="rId9"/>
-    <p:sldId id="261" r:id="rId10"/>
-    <p:sldId id="262" r:id="rId11"/>
-    <p:sldId id="264" r:id="rId12"/>
-    <p:sldId id="265" r:id="rId13"/>
-    <p:sldId id="266" r:id="rId14"/>
-    <p:sldId id="267" r:id="rId15"/>
-    <p:sldId id="268" r:id="rId16"/>
-    <p:sldId id="269" r:id="rId17"/>
-    <p:sldId id="270" r:id="rId18"/>
+    <p:sldId id="258" r:id="rId4"/>
+    <p:sldId id="259" r:id="rId5"/>
+    <p:sldId id="260" r:id="rId6"/>
+    <p:sldId id="261" r:id="rId7"/>
+    <p:sldId id="262" r:id="rId8"/>
+    <p:sldId id="263" r:id="rId9"/>
+    <p:sldId id="264" r:id="rId10"/>
+    <p:sldId id="265" r:id="rId11"/>
+    <p:sldId id="266" r:id="rId12"/>
+    <p:sldId id="267" r:id="rId13"/>
+    <p:sldId id="268" r:id="rId14"/>
+    <p:sldId id="269" r:id="rId15"/>
+    <p:sldId id="270" r:id="rId16"/>
+    <p:sldId id="271" r:id="rId17"/>
+    <p:sldId id="272" r:id="rId18"/>
+    <p:sldId id="273" r:id="rId19"/>
   </p:sldIdLst>
   <p:sldSz cx="12192000" cy="6858000"/>
   <p:notesSz cx="6858000" cy="9144000"/>
@@ -971,6 +972,13 @@
           </a:endParaRPr>
         </a:p>
       </dgm:t>
+      <dgm:extLst>
+        <a:ext uri="{E40237B7-FDA0-4F09-8148-C483321AD2D9}">
+          <dgm14:cNvPr xmlns:dgm14="http://schemas.microsoft.com/office/drawing/2010/diagram" id="0" name="">
+            <a:hlinkClick xmlns:r="http://schemas.openxmlformats.org/officeDocument/2006/relationships" r:id="rId1" action="ppaction://hlinksldjump"/>
+          </dgm14:cNvPr>
+        </a:ext>
+      </dgm:extLst>
     </dgm:pt>
     <dgm:pt modelId="{45315A26-9BA6-4769-8E58-35BBE80E4D1C}" type="parTrans" cxnId="{769BDC29-04AD-4E28-A6E5-1634292520CB}">
       <dgm:prSet/>
@@ -1017,6 +1025,13 @@
           </a:endParaRPr>
         </a:p>
       </dgm:t>
+      <dgm:extLst>
+        <a:ext uri="{E40237B7-FDA0-4F09-8148-C483321AD2D9}">
+          <dgm14:cNvPr xmlns:dgm14="http://schemas.microsoft.com/office/drawing/2010/diagram" id="0" name="">
+            <a:hlinkClick xmlns:r="http://schemas.openxmlformats.org/officeDocument/2006/relationships" r:id="rId2" action="ppaction://hlinksldjump"/>
+          </dgm14:cNvPr>
+        </a:ext>
+      </dgm:extLst>
     </dgm:pt>
     <dgm:pt modelId="{A1826FB2-D3E1-48C1-B901-BC490DCD357C}" type="parTrans" cxnId="{58DF4973-DBFF-43C4-8E62-F9E0660C7EBD}">
       <dgm:prSet/>
@@ -1063,6 +1078,13 @@
           </a:endParaRPr>
         </a:p>
       </dgm:t>
+      <dgm:extLst>
+        <a:ext uri="{E40237B7-FDA0-4F09-8148-C483321AD2D9}">
+          <dgm14:cNvPr xmlns:dgm14="http://schemas.microsoft.com/office/drawing/2010/diagram" id="0" name="">
+            <a:hlinkClick xmlns:r="http://schemas.openxmlformats.org/officeDocument/2006/relationships" r:id="rId3" action="ppaction://hlinksldjump"/>
+          </dgm14:cNvPr>
+        </a:ext>
+      </dgm:extLst>
     </dgm:pt>
     <dgm:pt modelId="{024C28CF-5FA1-4A12-8915-25976F39FC23}" type="parTrans" cxnId="{01335ACC-CB8C-4B6C-97D5-68509D513E98}">
       <dgm:prSet/>
@@ -1109,6 +1131,13 @@
           </a:endParaRPr>
         </a:p>
       </dgm:t>
+      <dgm:extLst>
+        <a:ext uri="{E40237B7-FDA0-4F09-8148-C483321AD2D9}">
+          <dgm14:cNvPr xmlns:dgm14="http://schemas.microsoft.com/office/drawing/2010/diagram" id="0" name="">
+            <a:hlinkClick xmlns:r="http://schemas.openxmlformats.org/officeDocument/2006/relationships" r:id="rId4" action="ppaction://hlinksldjump"/>
+          </dgm14:cNvPr>
+        </a:ext>
+      </dgm:extLst>
     </dgm:pt>
     <dgm:pt modelId="{E1474A75-1326-4FEC-AC84-5BBED0DC0BB7}" type="parTrans" cxnId="{B0FE4100-1481-432B-B60A-2468F5278285}">
       <dgm:prSet/>
@@ -1155,6 +1184,13 @@
           </a:endParaRPr>
         </a:p>
       </dgm:t>
+      <dgm:extLst>
+        <a:ext uri="{E40237B7-FDA0-4F09-8148-C483321AD2D9}">
+          <dgm14:cNvPr xmlns:dgm14="http://schemas.microsoft.com/office/drawing/2010/diagram" id="0" name="">
+            <a:hlinkClick xmlns:r="http://schemas.openxmlformats.org/officeDocument/2006/relationships" r:id="rId5" action="ppaction://hlinksldjump"/>
+          </dgm14:cNvPr>
+        </a:ext>
+      </dgm:extLst>
     </dgm:pt>
     <dgm:pt modelId="{98DFAF76-A1C5-4AE2-A3D5-3D6092790F74}" type="parTrans" cxnId="{5FF86E62-9099-434A-867B-C837C58C0547}">
       <dgm:prSet/>
@@ -1201,6 +1237,13 @@
           </a:endParaRPr>
         </a:p>
       </dgm:t>
+      <dgm:extLst>
+        <a:ext uri="{E40237B7-FDA0-4F09-8148-C483321AD2D9}">
+          <dgm14:cNvPr xmlns:dgm14="http://schemas.microsoft.com/office/drawing/2010/diagram" id="0" name="">
+            <a:hlinkClick xmlns:r="http://schemas.openxmlformats.org/officeDocument/2006/relationships" r:id="" action="ppaction://noaction"/>
+          </dgm14:cNvPr>
+        </a:ext>
+      </dgm:extLst>
     </dgm:pt>
     <dgm:pt modelId="{AD1CA327-F74F-40A2-82BC-494135BD37B0}" type="parTrans" cxnId="{C4843991-F9AF-479C-B531-F1FAAAB45092}">
       <dgm:prSet/>
@@ -1247,6 +1290,13 @@
           </a:endParaRPr>
         </a:p>
       </dgm:t>
+      <dgm:extLst>
+        <a:ext uri="{E40237B7-FDA0-4F09-8148-C483321AD2D9}">
+          <dgm14:cNvPr xmlns:dgm14="http://schemas.microsoft.com/office/drawing/2010/diagram" id="0" name="">
+            <a:hlinkClick xmlns:r="http://schemas.openxmlformats.org/officeDocument/2006/relationships" r:id="" action="ppaction://noaction"/>
+          </dgm14:cNvPr>
+        </a:ext>
+      </dgm:extLst>
     </dgm:pt>
     <dgm:pt modelId="{1BC46222-8F9B-44E3-AE6D-ED1F1C84CAFF}" type="parTrans" cxnId="{1E96510E-D7F3-4AF6-8F25-917C65A74839}">
       <dgm:prSet/>
@@ -1293,6 +1343,13 @@
           </a:endParaRPr>
         </a:p>
       </dgm:t>
+      <dgm:extLst>
+        <a:ext uri="{E40237B7-FDA0-4F09-8148-C483321AD2D9}">
+          <dgm14:cNvPr xmlns:dgm14="http://schemas.microsoft.com/office/drawing/2010/diagram" id="0" name="">
+            <a:hlinkClick xmlns:r="http://schemas.openxmlformats.org/officeDocument/2006/relationships" r:id="" action="ppaction://noaction"/>
+          </dgm14:cNvPr>
+        </a:ext>
+      </dgm:extLst>
     </dgm:pt>
     <dgm:pt modelId="{44E70AB2-01B6-4266-AC10-58BDC51F772E}" type="parTrans" cxnId="{1116CB7D-A900-47A2-876F-D0471481E6BB}">
       <dgm:prSet/>
@@ -1339,6 +1396,13 @@
           </a:endParaRPr>
         </a:p>
       </dgm:t>
+      <dgm:extLst>
+        <a:ext uri="{E40237B7-FDA0-4F09-8148-C483321AD2D9}">
+          <dgm14:cNvPr xmlns:dgm14="http://schemas.microsoft.com/office/drawing/2010/diagram" id="0" name="">
+            <a:hlinkClick xmlns:r="http://schemas.openxmlformats.org/officeDocument/2006/relationships" r:id="" action="ppaction://noaction"/>
+          </dgm14:cNvPr>
+        </a:ext>
+      </dgm:extLst>
     </dgm:pt>
     <dgm:pt modelId="{DC7BEF83-5747-4ABB-B790-A2DFFB6CC642}" type="parTrans" cxnId="{98E04F98-456C-4F8E-B3C6-B3A393D87E91}">
       <dgm:prSet/>
@@ -1385,6 +1449,13 @@
           </a:endParaRPr>
         </a:p>
       </dgm:t>
+      <dgm:extLst>
+        <a:ext uri="{E40237B7-FDA0-4F09-8148-C483321AD2D9}">
+          <dgm14:cNvPr xmlns:dgm14="http://schemas.microsoft.com/office/drawing/2010/diagram" id="0" name="">
+            <a:hlinkClick xmlns:r="http://schemas.openxmlformats.org/officeDocument/2006/relationships" r:id="" action="ppaction://noaction"/>
+          </dgm14:cNvPr>
+        </a:ext>
+      </dgm:extLst>
     </dgm:pt>
     <dgm:pt modelId="{F5FF943A-DFB0-4824-BB39-0EC772EEB0F8}" type="parTrans" cxnId="{BEC34AAA-9C92-4D2B-95B1-00269F85F861}">
       <dgm:prSet/>
@@ -1431,6 +1502,13 @@
           </a:endParaRPr>
         </a:p>
       </dgm:t>
+      <dgm:extLst>
+        <a:ext uri="{E40237B7-FDA0-4F09-8148-C483321AD2D9}">
+          <dgm14:cNvPr xmlns:dgm14="http://schemas.microsoft.com/office/drawing/2010/diagram" id="0" name="">
+            <a:hlinkClick xmlns:r="http://schemas.openxmlformats.org/officeDocument/2006/relationships" r:id="rId6" action="ppaction://hlinksldjump"/>
+          </dgm14:cNvPr>
+        </a:ext>
+      </dgm:extLst>
     </dgm:pt>
     <dgm:pt modelId="{40121A89-413E-4EA8-8B0B-53A40D176781}" type="parTrans" cxnId="{1165C46D-4215-4659-8C1D-B1D9C128C2F7}">
       <dgm:prSet/>
@@ -1477,6 +1555,13 @@
           </a:endParaRPr>
         </a:p>
       </dgm:t>
+      <dgm:extLst>
+        <a:ext uri="{E40237B7-FDA0-4F09-8148-C483321AD2D9}">
+          <dgm14:cNvPr xmlns:dgm14="http://schemas.microsoft.com/office/drawing/2010/diagram" id="0" name="">
+            <a:hlinkClick xmlns:r="http://schemas.openxmlformats.org/officeDocument/2006/relationships" r:id="rId3" action="ppaction://hlinksldjump"/>
+          </dgm14:cNvPr>
+        </a:ext>
+      </dgm:extLst>
     </dgm:pt>
     <dgm:pt modelId="{41773E06-57C8-4F94-9653-1519D4B4507A}" type="sibTrans" cxnId="{8E40C4F9-DC27-49D3-927A-03E7BC64D601}">
       <dgm:prSet/>
@@ -1530,6 +1615,13 @@
           </a:endParaRPr>
         </a:p>
       </dgm:t>
+      <dgm:extLst>
+        <a:ext uri="{E40237B7-FDA0-4F09-8148-C483321AD2D9}">
+          <dgm14:cNvPr xmlns:dgm14="http://schemas.microsoft.com/office/drawing/2010/diagram" id="0" name="">
+            <a:hlinkClick xmlns:r="http://schemas.openxmlformats.org/officeDocument/2006/relationships" r:id="rId7" action="ppaction://hlinksldjump"/>
+          </dgm14:cNvPr>
+        </a:ext>
+      </dgm:extLst>
     </dgm:pt>
     <dgm:pt modelId="{C2A5A6EE-65CC-43F2-AABE-30B8EBBD5660}" type="parTrans" cxnId="{54126D2F-1637-4B66-A9BB-DE78957D4F6A}">
       <dgm:prSet/>
@@ -1576,6 +1668,13 @@
           </a:endParaRPr>
         </a:p>
       </dgm:t>
+      <dgm:extLst>
+        <a:ext uri="{E40237B7-FDA0-4F09-8148-C483321AD2D9}">
+          <dgm14:cNvPr xmlns:dgm14="http://schemas.microsoft.com/office/drawing/2010/diagram" id="0" name="">
+            <a:hlinkClick xmlns:r="http://schemas.openxmlformats.org/officeDocument/2006/relationships" r:id="" action="ppaction://noaction"/>
+          </dgm14:cNvPr>
+        </a:ext>
+      </dgm:extLst>
     </dgm:pt>
     <dgm:pt modelId="{AD783A38-E7E1-4DFF-A5BE-150EA1E7CC02}" type="parTrans" cxnId="{ECBE3A50-CAB7-49F9-A31C-EE86DAF6247C}">
       <dgm:prSet/>
@@ -1622,6 +1721,13 @@
           </a:endParaRPr>
         </a:p>
       </dgm:t>
+      <dgm:extLst>
+        <a:ext uri="{E40237B7-FDA0-4F09-8148-C483321AD2D9}">
+          <dgm14:cNvPr xmlns:dgm14="http://schemas.microsoft.com/office/drawing/2010/diagram" id="0" name="">
+            <a:hlinkClick xmlns:r="http://schemas.openxmlformats.org/officeDocument/2006/relationships" r:id="" action="ppaction://noaction"/>
+          </dgm14:cNvPr>
+        </a:ext>
+      </dgm:extLst>
     </dgm:pt>
     <dgm:pt modelId="{0E1E67C5-388B-45A4-B9E4-C9712A16F3D4}" type="parTrans" cxnId="{5570621D-EBA3-48A2-B6DA-E052DC813A99}">
       <dgm:prSet/>
@@ -1668,6 +1774,13 @@
           </a:endParaRPr>
         </a:p>
       </dgm:t>
+      <dgm:extLst>
+        <a:ext uri="{E40237B7-FDA0-4F09-8148-C483321AD2D9}">
+          <dgm14:cNvPr xmlns:dgm14="http://schemas.microsoft.com/office/drawing/2010/diagram" id="0" name="">
+            <a:hlinkClick xmlns:r="http://schemas.openxmlformats.org/officeDocument/2006/relationships" r:id="" action="ppaction://noaction"/>
+          </dgm14:cNvPr>
+        </a:ext>
+      </dgm:extLst>
     </dgm:pt>
     <dgm:pt modelId="{79EF6D67-F0C6-4ABB-A947-D20AEF5D6AFE}" type="parTrans" cxnId="{83146B5D-C650-4D3A-8F10-11577F5B6E00}">
       <dgm:prSet/>
@@ -1714,6 +1827,13 @@
           </a:endParaRPr>
         </a:p>
       </dgm:t>
+      <dgm:extLst>
+        <a:ext uri="{E40237B7-FDA0-4F09-8148-C483321AD2D9}">
+          <dgm14:cNvPr xmlns:dgm14="http://schemas.microsoft.com/office/drawing/2010/diagram" id="0" name="">
+            <a:hlinkClick xmlns:r="http://schemas.openxmlformats.org/officeDocument/2006/relationships" r:id="" action="ppaction://noaction"/>
+          </dgm14:cNvPr>
+        </a:ext>
+      </dgm:extLst>
     </dgm:pt>
     <dgm:pt modelId="{77BA5DCE-A959-4773-8CB1-223D7CA79EB4}" type="parTrans" cxnId="{2366B2E4-C1A3-4B46-838D-FD85E7143A15}">
       <dgm:prSet/>
@@ -1760,6 +1880,13 @@
           </a:endParaRPr>
         </a:p>
       </dgm:t>
+      <dgm:extLst>
+        <a:ext uri="{E40237B7-FDA0-4F09-8148-C483321AD2D9}">
+          <dgm14:cNvPr xmlns:dgm14="http://schemas.microsoft.com/office/drawing/2010/diagram" id="0" name="">
+            <a:hlinkClick xmlns:r="http://schemas.openxmlformats.org/officeDocument/2006/relationships" r:id="" action="ppaction://noaction"/>
+          </dgm14:cNvPr>
+        </a:ext>
+      </dgm:extLst>
     </dgm:pt>
     <dgm:pt modelId="{B1194AC8-70F3-45A1-8B2D-5D52E0087CE8}" type="parTrans" cxnId="{8839A577-72D7-4ACB-AC3A-BF9A68F5B633}">
       <dgm:prSet/>
@@ -2647,77 +2774,77 @@
     </dgm:pt>
   </dgm:ptLst>
   <dgm:cxnLst>
-    <dgm:cxn modelId="{4383566C-3163-45D3-A677-5C094D29AD11}" type="presOf" srcId="{F47EAC7E-747B-46B4-A42F-D17F58C929C8}" destId="{5149CEFE-3535-4C02-A47C-04FB1FBF7B43}" srcOrd="0" destOrd="0" presId="urn:microsoft.com/office/officeart/2005/8/layout/hierarchy2"/>
-    <dgm:cxn modelId="{E726F311-B607-4FC4-B847-37428DEB5DA9}" type="presOf" srcId="{7D66F86B-BD19-4754-BB2E-672CE094B0B8}" destId="{39E665D4-EF68-4AC0-A01F-772BE1665211}" srcOrd="0" destOrd="0" presId="urn:microsoft.com/office/officeart/2005/8/layout/hierarchy2"/>
-    <dgm:cxn modelId="{CDD2CA2F-A882-4B92-8E3E-43B270AF8542}" type="presOf" srcId="{AD1CA327-F74F-40A2-82BC-494135BD37B0}" destId="{6227EF54-28FB-4700-B9AD-FF114B10B0D7}" srcOrd="1" destOrd="0" presId="urn:microsoft.com/office/officeart/2005/8/layout/hierarchy2"/>
+    <dgm:cxn modelId="{BB06C5E7-8689-4636-88C1-9D657CF89E83}" type="presOf" srcId="{A1826FB2-D3E1-48C1-B901-BC490DCD357C}" destId="{A7AAAFFC-3326-423A-BEC4-D17C853BBCE5}" srcOrd="1" destOrd="0" presId="urn:microsoft.com/office/officeart/2005/8/layout/hierarchy2"/>
+    <dgm:cxn modelId="{4FD90811-3579-4538-B9E2-405B1BADA7FE}" type="presOf" srcId="{B30778FE-5458-4EE9-8A4E-6108C00C90DF}" destId="{2C4E4A76-7650-4C94-BB75-868A06A39A5D}" srcOrd="0" destOrd="0" presId="urn:microsoft.com/office/officeart/2005/8/layout/hierarchy2"/>
+    <dgm:cxn modelId="{8839A577-72D7-4ACB-AC3A-BF9A68F5B633}" srcId="{E9AF1AAE-624B-4FF0-8467-9B5460955E82}" destId="{B30778FE-5458-4EE9-8A4E-6108C00C90DF}" srcOrd="1" destOrd="0" parTransId="{B1194AC8-70F3-45A1-8B2D-5D52E0087CE8}" sibTransId="{5AAF1F1D-7B51-4893-AF34-BAA886D03AB0}"/>
+    <dgm:cxn modelId="{05340744-BADB-4D35-8C4E-1023D7315F31}" type="presOf" srcId="{1EBF768B-033D-4254-A670-8ADBECB7F61E}" destId="{65F37C8A-381A-4E37-B4D4-45628AC42FAA}" srcOrd="1" destOrd="0" presId="urn:microsoft.com/office/officeart/2005/8/layout/hierarchy2"/>
+    <dgm:cxn modelId="{375CEB88-B3B2-4CD4-A4DD-192E19CF322D}" type="presOf" srcId="{271FACC1-F6EA-4CC1-8700-B5B229C6D78A}" destId="{7476F37D-0668-4DA9-B6F6-24C05488DCAB}" srcOrd="0" destOrd="0" presId="urn:microsoft.com/office/officeart/2005/8/layout/hierarchy2"/>
+    <dgm:cxn modelId="{54126D2F-1637-4B66-A9BB-DE78957D4F6A}" srcId="{7D66F86B-BD19-4754-BB2E-672CE094B0B8}" destId="{5A72E70A-3412-41D9-8EE8-E32F62832396}" srcOrd="1" destOrd="0" parTransId="{C2A5A6EE-65CC-43F2-AABE-30B8EBBD5660}" sibTransId="{5A386840-BCDA-4AAE-9856-8B8908122A8F}"/>
+    <dgm:cxn modelId="{DEC186C9-CE0A-4614-97C9-E7DEDD041BC8}" type="presOf" srcId="{70508897-FD63-4DF4-8BBC-02A30136D973}" destId="{70A37B7F-ED34-4435-A535-7862ACC0D32B}" srcOrd="0" destOrd="0" presId="urn:microsoft.com/office/officeart/2005/8/layout/hierarchy2"/>
+    <dgm:cxn modelId="{32BAE539-A440-4D1A-B0AD-6BF9EAB02513}" type="presOf" srcId="{AD1CA327-F74F-40A2-82BC-494135BD37B0}" destId="{D41DFB86-FF9E-42DC-86A8-FF215C52ABBF}" srcOrd="0" destOrd="0" presId="urn:microsoft.com/office/officeart/2005/8/layout/hierarchy2"/>
     <dgm:cxn modelId="{53E76102-183C-4E83-89C5-B56B64D789F8}" type="presOf" srcId="{5A72E70A-3412-41D9-8EE8-E32F62832396}" destId="{B7E33155-2903-4EA7-BF71-23FA6FC3F9A2}" srcOrd="0" destOrd="0" presId="urn:microsoft.com/office/officeart/2005/8/layout/hierarchy2"/>
-    <dgm:cxn modelId="{744AA4BA-18B7-4511-842E-75CBD564D4A8}" type="presOf" srcId="{98DFAF76-A1C5-4AE2-A3D5-3D6092790F74}" destId="{F8BEDE9F-B0F8-4640-B7B2-BD7521D99EAF}" srcOrd="0" destOrd="0" presId="urn:microsoft.com/office/officeart/2005/8/layout/hierarchy2"/>
-    <dgm:cxn modelId="{4898C417-4600-4428-829C-1FDD2CBA327F}" type="presOf" srcId="{79EF6D67-F0C6-4ABB-A947-D20AEF5D6AFE}" destId="{5053681C-A133-420D-A1AE-235997D561A8}" srcOrd="0" destOrd="0" presId="urn:microsoft.com/office/officeart/2005/8/layout/hierarchy2"/>
-    <dgm:cxn modelId="{BB06C5E7-8689-4636-88C1-9D657CF89E83}" type="presOf" srcId="{A1826FB2-D3E1-48C1-B901-BC490DCD357C}" destId="{A7AAAFFC-3326-423A-BEC4-D17C853BBCE5}" srcOrd="1" destOrd="0" presId="urn:microsoft.com/office/officeart/2005/8/layout/hierarchy2"/>
-    <dgm:cxn modelId="{58DF4973-DBFF-43C4-8E62-F9E0660C7EBD}" srcId="{E07078F1-5F78-4BD7-ABE0-FC4693C9BE32}" destId="{A095C3E1-BDC1-4EA7-92BE-A73AFC0A2F8C}" srcOrd="0" destOrd="0" parTransId="{A1826FB2-D3E1-48C1-B901-BC490DCD357C}" sibTransId="{3D6144DD-F9A7-407D-977A-682A415C04CD}"/>
-    <dgm:cxn modelId="{05340744-BADB-4D35-8C4E-1023D7315F31}" type="presOf" srcId="{1EBF768B-033D-4254-A670-8ADBECB7F61E}" destId="{65F37C8A-381A-4E37-B4D4-45628AC42FAA}" srcOrd="1" destOrd="0" presId="urn:microsoft.com/office/officeart/2005/8/layout/hierarchy2"/>
-    <dgm:cxn modelId="{BFCC4697-2F6E-406C-B327-FA49B0E00D56}" type="presOf" srcId="{E1474A75-1326-4FEC-AC84-5BBED0DC0BB7}" destId="{DA4D925A-8192-477E-BE6B-5D0F0FE9AB10}" srcOrd="1" destOrd="0" presId="urn:microsoft.com/office/officeart/2005/8/layout/hierarchy2"/>
-    <dgm:cxn modelId="{C340CC28-4FF4-483A-BFB7-42E260F2BB34}" type="presOf" srcId="{3A876884-6EB7-4C5C-AEDC-FE807636E800}" destId="{FAD93460-8E47-428A-83A0-967C4EF7A354}" srcOrd="0" destOrd="0" presId="urn:microsoft.com/office/officeart/2005/8/layout/hierarchy2"/>
-    <dgm:cxn modelId="{515D6E57-9610-4ADB-8C87-90EDE1EE7B59}" type="presOf" srcId="{7F57F327-3682-4C8E-898E-3E22C09C304D}" destId="{399A435A-749F-4FB2-ACC4-8916DC1D61DC}" srcOrd="0" destOrd="0" presId="urn:microsoft.com/office/officeart/2005/8/layout/hierarchy2"/>
-    <dgm:cxn modelId="{DEC186C9-CE0A-4614-97C9-E7DEDD041BC8}" type="presOf" srcId="{70508897-FD63-4DF4-8BBC-02A30136D973}" destId="{70A37B7F-ED34-4435-A535-7862ACC0D32B}" srcOrd="0" destOrd="0" presId="urn:microsoft.com/office/officeart/2005/8/layout/hierarchy2"/>
-    <dgm:cxn modelId="{E644533E-ACED-474C-BC34-F4F27B844937}" type="presOf" srcId="{E1474A75-1326-4FEC-AC84-5BBED0DC0BB7}" destId="{D5EA23BF-D823-4087-9653-DDA8FDEADFDD}" srcOrd="0" destOrd="0" presId="urn:microsoft.com/office/officeart/2005/8/layout/hierarchy2"/>
-    <dgm:cxn modelId="{A4B4512D-79AB-46AC-A8FC-F1B317FB4B56}" type="presOf" srcId="{79EF6D67-F0C6-4ABB-A947-D20AEF5D6AFE}" destId="{77C8FA67-7F6A-43C7-83FA-9372006A48B1}" srcOrd="1" destOrd="0" presId="urn:microsoft.com/office/officeart/2005/8/layout/hierarchy2"/>
-    <dgm:cxn modelId="{83146B5D-C650-4D3A-8F10-11577F5B6E00}" srcId="{F3B6BF13-C20E-4AB2-A557-CA5399D41264}" destId="{D742407B-1C71-4DCF-B0A3-AF260C408829}" srcOrd="2" destOrd="0" parTransId="{79EF6D67-F0C6-4ABB-A947-D20AEF5D6AFE}" sibTransId="{F3F91C91-ED79-4333-9AE4-8FE49FCDB6FA}"/>
-    <dgm:cxn modelId="{364E28FF-0BE3-4FAB-AF14-8A77AED77347}" type="presOf" srcId="{D742407B-1C71-4DCF-B0A3-AF260C408829}" destId="{C187DCA7-462C-4E35-BFB6-23D3F4EAC0C3}" srcOrd="0" destOrd="0" presId="urn:microsoft.com/office/officeart/2005/8/layout/hierarchy2"/>
-    <dgm:cxn modelId="{06596A10-0C92-486E-9A2F-B0F72517D2D1}" type="presOf" srcId="{F5488047-5F2C-4032-9347-CB0B9C23680B}" destId="{7AA11850-2D2F-463A-956F-7DA775CE5E8A}" srcOrd="0" destOrd="0" presId="urn:microsoft.com/office/officeart/2005/8/layout/hierarchy2"/>
-    <dgm:cxn modelId="{BEC34AAA-9C92-4D2B-95B1-00269F85F861}" srcId="{E07078F1-5F78-4BD7-ABE0-FC4693C9BE32}" destId="{CEC25026-C400-4F90-ABF9-FE50F2848A7F}" srcOrd="8" destOrd="0" parTransId="{F5FF943A-DFB0-4824-BB39-0EC772EEB0F8}" sibTransId="{9CE8ED97-47B3-4915-9972-7C143EDD6BEA}"/>
-    <dgm:cxn modelId="{728DF02D-8E2B-4E6E-88A7-88CD2F2B5EBD}" type="presOf" srcId="{F5FF943A-DFB0-4824-BB39-0EC772EEB0F8}" destId="{5269E871-F80E-4E04-8575-B0A61926A7D7}" srcOrd="0" destOrd="0" presId="urn:microsoft.com/office/officeart/2005/8/layout/hierarchy2"/>
-    <dgm:cxn modelId="{8839A577-72D7-4ACB-AC3A-BF9A68F5B633}" srcId="{E9AF1AAE-624B-4FF0-8467-9B5460955E82}" destId="{B30778FE-5458-4EE9-8A4E-6108C00C90DF}" srcOrd="1" destOrd="0" parTransId="{B1194AC8-70F3-45A1-8B2D-5D52E0087CE8}" sibTransId="{5AAF1F1D-7B51-4893-AF34-BAA886D03AB0}"/>
-    <dgm:cxn modelId="{0335D54B-6312-40F1-9144-F6830D89A6FC}" type="presOf" srcId="{0E1E67C5-388B-45A4-B9E4-C9712A16F3D4}" destId="{22C0A404-4303-461A-8D1F-C27381A8C9DA}" srcOrd="1" destOrd="0" presId="urn:microsoft.com/office/officeart/2005/8/layout/hierarchy2"/>
-    <dgm:cxn modelId="{375CEB88-B3B2-4CD4-A4DD-192E19CF322D}" type="presOf" srcId="{271FACC1-F6EA-4CC1-8700-B5B229C6D78A}" destId="{7476F37D-0668-4DA9-B6F6-24C05488DCAB}" srcOrd="0" destOrd="0" presId="urn:microsoft.com/office/officeart/2005/8/layout/hierarchy2"/>
-    <dgm:cxn modelId="{C73B10CA-FE01-4440-B60A-541616A5D5A0}" type="presOf" srcId="{B1194AC8-70F3-45A1-8B2D-5D52E0087CE8}" destId="{BF675387-07E4-46E2-B798-F589ACD557A3}" srcOrd="1" destOrd="0" presId="urn:microsoft.com/office/officeart/2005/8/layout/hierarchy2"/>
-    <dgm:cxn modelId="{E812D283-8317-4DFB-9658-EBF6A491AEAA}" type="presOf" srcId="{C2A5A6EE-65CC-43F2-AABE-30B8EBBD5660}" destId="{CC4BBF34-865E-4B47-A5DF-28D5CC0CEA54}" srcOrd="0" destOrd="0" presId="urn:microsoft.com/office/officeart/2005/8/layout/hierarchy2"/>
-    <dgm:cxn modelId="{01335ACC-CB8C-4B6C-97D5-68509D513E98}" srcId="{E07078F1-5F78-4BD7-ABE0-FC4693C9BE32}" destId="{7D66F86B-BD19-4754-BB2E-672CE094B0B8}" srcOrd="1" destOrd="0" parTransId="{024C28CF-5FA1-4A12-8915-25976F39FC23}" sibTransId="{C860DA88-03EA-4BA3-ACF7-07EF7551E6A6}"/>
-    <dgm:cxn modelId="{8E40C4F9-DC27-49D3-927A-03E7BC64D601}" srcId="{7D66F86B-BD19-4754-BB2E-672CE094B0B8}" destId="{F5488047-5F2C-4032-9347-CB0B9C23680B}" srcOrd="0" destOrd="0" parTransId="{1EBF768B-033D-4254-A670-8ADBECB7F61E}" sibTransId="{41773E06-57C8-4F94-9653-1519D4B4507A}"/>
-    <dgm:cxn modelId="{DA82288F-476E-4520-A238-2A39662A82F3}" type="presOf" srcId="{A1826FB2-D3E1-48C1-B901-BC490DCD357C}" destId="{16E6C84B-3922-4B58-BBFC-E9B79CC529C8}" srcOrd="0" destOrd="0" presId="urn:microsoft.com/office/officeart/2005/8/layout/hierarchy2"/>
-    <dgm:cxn modelId="{30CF784E-701D-4A24-A272-2FB1F821F76F}" type="presOf" srcId="{44E70AB2-01B6-4266-AC10-58BDC51F772E}" destId="{5A2B1C07-9E44-4E0C-834B-F5955464A892}" srcOrd="0" destOrd="0" presId="urn:microsoft.com/office/officeart/2005/8/layout/hierarchy2"/>
-    <dgm:cxn modelId="{6F9EBE11-912B-41F0-B107-9DE1BF8D83C5}" type="presOf" srcId="{1BC46222-8F9B-44E3-AE6D-ED1F1C84CAFF}" destId="{CC0FBB1F-AF21-44E2-92A4-C46CBB1B91A4}" srcOrd="0" destOrd="0" presId="urn:microsoft.com/office/officeart/2005/8/layout/hierarchy2"/>
-    <dgm:cxn modelId="{769BDC29-04AD-4E28-A6E5-1634292520CB}" srcId="{2BE25A0C-7850-4616-AE85-C101863866E8}" destId="{E07078F1-5F78-4BD7-ABE0-FC4693C9BE32}" srcOrd="0" destOrd="0" parTransId="{45315A26-9BA6-4769-8E58-35BBE80E4D1C}" sibTransId="{5A76D8A9-2C76-4F6C-A8BF-6B2A3475DAD9}"/>
-    <dgm:cxn modelId="{F80F5292-6924-47B7-AF5D-2189CE809A1F}" type="presOf" srcId="{AD783A38-E7E1-4DFF-A5BE-150EA1E7CC02}" destId="{C152E1E7-A0C9-4314-B3B2-D7634F65707C}" srcOrd="1" destOrd="0" presId="urn:microsoft.com/office/officeart/2005/8/layout/hierarchy2"/>
-    <dgm:cxn modelId="{2010D17F-C182-4CF7-B917-67C8CAC3C633}" type="presOf" srcId="{B79D3429-FF10-4894-955A-A5A3B3DC119B}" destId="{551DE444-9793-4D4B-8185-F4B61684A627}" srcOrd="0" destOrd="0" presId="urn:microsoft.com/office/officeart/2005/8/layout/hierarchy2"/>
-    <dgm:cxn modelId="{676C1B90-990B-41D0-A716-8BC4F5F909E0}" type="presOf" srcId="{77BA5DCE-A959-4773-8CB1-223D7CA79EB4}" destId="{4C63D4AF-85A2-435E-A29C-549B17474861}" srcOrd="1" destOrd="0" presId="urn:microsoft.com/office/officeart/2005/8/layout/hierarchy2"/>
-    <dgm:cxn modelId="{8B1F509F-13B6-424B-ACAF-5DB3A5BA6B21}" type="presOf" srcId="{DC7BEF83-5747-4ABB-B790-A2DFFB6CC642}" destId="{FA4408D2-338D-41D8-A4C0-2D0039B9288A}" srcOrd="0" destOrd="0" presId="urn:microsoft.com/office/officeart/2005/8/layout/hierarchy2"/>
-    <dgm:cxn modelId="{DDFB67F5-1A9B-46DB-998A-E004BC05C585}" type="presOf" srcId="{E9AF1AAE-624B-4FF0-8467-9B5460955E82}" destId="{C4A5A824-5BCB-4766-BA4F-8676D97D64B4}" srcOrd="0" destOrd="0" presId="urn:microsoft.com/office/officeart/2005/8/layout/hierarchy2"/>
-    <dgm:cxn modelId="{5FF86E62-9099-434A-867B-C837C58C0547}" srcId="{E07078F1-5F78-4BD7-ABE0-FC4693C9BE32}" destId="{F3B6BF13-C20E-4AB2-A557-CA5399D41264}" srcOrd="3" destOrd="0" parTransId="{98DFAF76-A1C5-4AE2-A3D5-3D6092790F74}" sibTransId="{E2E61C1E-7524-4BDD-A326-14AF7F0989D6}"/>
-    <dgm:cxn modelId="{35089F01-F129-4061-98CB-3EAB1C0E7B68}" type="presOf" srcId="{B1194AC8-70F3-45A1-8B2D-5D52E0087CE8}" destId="{AE5DA244-057F-4118-99C6-F504C9096F99}" srcOrd="0" destOrd="0" presId="urn:microsoft.com/office/officeart/2005/8/layout/hierarchy2"/>
-    <dgm:cxn modelId="{EDF05CC1-5F3F-49BB-9884-92D7B3A98CD5}" type="presOf" srcId="{77BA5DCE-A959-4773-8CB1-223D7CA79EB4}" destId="{F359C536-43F4-4787-965C-59CA95078A61}" srcOrd="0" destOrd="0" presId="urn:microsoft.com/office/officeart/2005/8/layout/hierarchy2"/>
-    <dgm:cxn modelId="{D7FF3CAC-55B6-4A46-9FEA-B834B84A21FD}" type="presOf" srcId="{CEC25026-C400-4F90-ABF9-FE50F2848A7F}" destId="{D9332915-903F-4717-9DCA-1AD2DE28B86F}" srcOrd="0" destOrd="0" presId="urn:microsoft.com/office/officeart/2005/8/layout/hierarchy2"/>
-    <dgm:cxn modelId="{4635D0D6-AE22-493C-A9B4-405B50EA721D}" type="presOf" srcId="{40121A89-413E-4EA8-8B0B-53A40D176781}" destId="{16AAFAEB-B252-4CBB-A5A4-3A13FA4A25A1}" srcOrd="1" destOrd="0" presId="urn:microsoft.com/office/officeart/2005/8/layout/hierarchy2"/>
-    <dgm:cxn modelId="{1E96510E-D7F3-4AF6-8F25-917C65A74839}" srcId="{E07078F1-5F78-4BD7-ABE0-FC4693C9BE32}" destId="{C36F80D2-E21D-488E-BB08-B9D7D10C2DB4}" srcOrd="5" destOrd="0" parTransId="{1BC46222-8F9B-44E3-AE6D-ED1F1C84CAFF}" sibTransId="{8906C0FE-B515-4F4A-9203-CC2919B32D57}"/>
-    <dgm:cxn modelId="{1165C46D-4215-4659-8C1D-B1D9C128C2F7}" srcId="{A095C3E1-BDC1-4EA7-92BE-A73AFC0A2F8C}" destId="{1064E2BE-C102-43C3-B5F5-10F063AA3555}" srcOrd="0" destOrd="0" parTransId="{40121A89-413E-4EA8-8B0B-53A40D176781}" sibTransId="{707AD6F9-0034-4CFA-BC3F-5D872377D443}"/>
-    <dgm:cxn modelId="{32BAE539-A440-4D1A-B0AD-6BF9EAB02513}" type="presOf" srcId="{AD1CA327-F74F-40A2-82BC-494135BD37B0}" destId="{D41DFB86-FF9E-42DC-86A8-FF215C52ABBF}" srcOrd="0" destOrd="0" presId="urn:microsoft.com/office/officeart/2005/8/layout/hierarchy2"/>
-    <dgm:cxn modelId="{38EA0089-E2F3-4398-81DF-7C53DF1B46EA}" type="presOf" srcId="{AD783A38-E7E1-4DFF-A5BE-150EA1E7CC02}" destId="{E7750440-B2E7-4DD0-A9B1-1CA9D92E7026}" srcOrd="0" destOrd="0" presId="urn:microsoft.com/office/officeart/2005/8/layout/hierarchy2"/>
-    <dgm:cxn modelId="{4FD90811-3579-4538-B9E2-405B1BADA7FE}" type="presOf" srcId="{B30778FE-5458-4EE9-8A4E-6108C00C90DF}" destId="{2C4E4A76-7650-4C94-BB75-868A06A39A5D}" srcOrd="0" destOrd="0" presId="urn:microsoft.com/office/officeart/2005/8/layout/hierarchy2"/>
     <dgm:cxn modelId="{3F67E903-A98A-4D3E-BCCE-69C0A8D8F5E0}" type="presOf" srcId="{0E1E67C5-388B-45A4-B9E4-C9712A16F3D4}" destId="{3550AADD-9B7D-47DD-8638-6F949AD8C1D8}" srcOrd="0" destOrd="0" presId="urn:microsoft.com/office/officeart/2005/8/layout/hierarchy2"/>
-    <dgm:cxn modelId="{AA67E76E-0A94-4E2C-A88C-D44F49C891C9}" type="presOf" srcId="{C2A5A6EE-65CC-43F2-AABE-30B8EBBD5660}" destId="{1510B2EF-280F-4BA2-80D5-B73B99FBDF3F}" srcOrd="1" destOrd="0" presId="urn:microsoft.com/office/officeart/2005/8/layout/hierarchy2"/>
-    <dgm:cxn modelId="{AB989DC2-DE99-4E29-B12C-FE59443AC989}" type="presOf" srcId="{E07078F1-5F78-4BD7-ABE0-FC4693C9BE32}" destId="{80C93EE2-8BDE-4BB6-856B-E240D1E35D50}" srcOrd="0" destOrd="0" presId="urn:microsoft.com/office/officeart/2005/8/layout/hierarchy2"/>
-    <dgm:cxn modelId="{ECBE3A50-CAB7-49F9-A31C-EE86DAF6247C}" srcId="{F3B6BF13-C20E-4AB2-A557-CA5399D41264}" destId="{F47EAC7E-747B-46B4-A42F-D17F58C929C8}" srcOrd="0" destOrd="0" parTransId="{AD783A38-E7E1-4DFF-A5BE-150EA1E7CC02}" sibTransId="{8FEC9CC9-5881-43D7-8D80-D3F906E6B290}"/>
-    <dgm:cxn modelId="{4568C2A4-CD31-4219-80BF-BFF3B5BA06E6}" type="presOf" srcId="{DC7BEF83-5747-4ABB-B790-A2DFFB6CC642}" destId="{D72BE47E-DD02-45C8-943D-99D8813CC9CA}" srcOrd="1" destOrd="0" presId="urn:microsoft.com/office/officeart/2005/8/layout/hierarchy2"/>
-    <dgm:cxn modelId="{02D00390-1A2F-4ABC-80BE-D5639CDABE40}" type="presOf" srcId="{44E70AB2-01B6-4266-AC10-58BDC51F772E}" destId="{42E5848F-4CA1-482C-84CA-07C1C307BDAE}" srcOrd="1" destOrd="0" presId="urn:microsoft.com/office/officeart/2005/8/layout/hierarchy2"/>
     <dgm:cxn modelId="{C91E15BA-B479-4806-8FA8-006145287484}" type="presOf" srcId="{F3B6BF13-C20E-4AB2-A557-CA5399D41264}" destId="{61069C47-7D06-4292-8323-8D226AD4AE5F}" srcOrd="0" destOrd="0" presId="urn:microsoft.com/office/officeart/2005/8/layout/hierarchy2"/>
     <dgm:cxn modelId="{FD9B84EE-C47C-4CBB-81E1-574CD8ABE398}" type="presOf" srcId="{98DFAF76-A1C5-4AE2-A3D5-3D6092790F74}" destId="{A03E09C6-EC2D-4397-8158-7B2F39C3B0DA}" srcOrd="1" destOrd="0" presId="urn:microsoft.com/office/officeart/2005/8/layout/hierarchy2"/>
+    <dgm:cxn modelId="{A4911171-943E-4460-9D59-47FC9850B4EC}" type="presOf" srcId="{40121A89-413E-4EA8-8B0B-53A40D176781}" destId="{276C22DB-22D8-40D5-8649-972C9B774A55}" srcOrd="0" destOrd="0" presId="urn:microsoft.com/office/officeart/2005/8/layout/hierarchy2"/>
+    <dgm:cxn modelId="{8B1F509F-13B6-424B-ACAF-5DB3A5BA6B21}" type="presOf" srcId="{DC7BEF83-5747-4ABB-B790-A2DFFB6CC642}" destId="{FA4408D2-338D-41D8-A4C0-2D0039B9288A}" srcOrd="0" destOrd="0" presId="urn:microsoft.com/office/officeart/2005/8/layout/hierarchy2"/>
+    <dgm:cxn modelId="{1E96510E-D7F3-4AF6-8F25-917C65A74839}" srcId="{E07078F1-5F78-4BD7-ABE0-FC4693C9BE32}" destId="{C36F80D2-E21D-488E-BB08-B9D7D10C2DB4}" srcOrd="5" destOrd="0" parTransId="{1BC46222-8F9B-44E3-AE6D-ED1F1C84CAFF}" sibTransId="{8906C0FE-B515-4F4A-9203-CC2919B32D57}"/>
+    <dgm:cxn modelId="{0335D54B-6312-40F1-9144-F6830D89A6FC}" type="presOf" srcId="{0E1E67C5-388B-45A4-B9E4-C9712A16F3D4}" destId="{22C0A404-4303-461A-8D1F-C27381A8C9DA}" srcOrd="1" destOrd="0" presId="urn:microsoft.com/office/officeart/2005/8/layout/hierarchy2"/>
+    <dgm:cxn modelId="{02D00390-1A2F-4ABC-80BE-D5639CDABE40}" type="presOf" srcId="{44E70AB2-01B6-4266-AC10-58BDC51F772E}" destId="{42E5848F-4CA1-482C-84CA-07C1C307BDAE}" srcOrd="1" destOrd="0" presId="urn:microsoft.com/office/officeart/2005/8/layout/hierarchy2"/>
+    <dgm:cxn modelId="{4383566C-3163-45D3-A677-5C094D29AD11}" type="presOf" srcId="{F47EAC7E-747B-46B4-A42F-D17F58C929C8}" destId="{5149CEFE-3535-4C02-A47C-04FB1FBF7B43}" srcOrd="0" destOrd="0" presId="urn:microsoft.com/office/officeart/2005/8/layout/hierarchy2"/>
+    <dgm:cxn modelId="{744AA4BA-18B7-4511-842E-75CBD564D4A8}" type="presOf" srcId="{98DFAF76-A1C5-4AE2-A3D5-3D6092790F74}" destId="{F8BEDE9F-B0F8-4640-B7B2-BD7521D99EAF}" srcOrd="0" destOrd="0" presId="urn:microsoft.com/office/officeart/2005/8/layout/hierarchy2"/>
+    <dgm:cxn modelId="{515D6E57-9610-4ADB-8C87-90EDE1EE7B59}" type="presOf" srcId="{7F57F327-3682-4C8E-898E-3E22C09C304D}" destId="{399A435A-749F-4FB2-ACC4-8916DC1D61DC}" srcOrd="0" destOrd="0" presId="urn:microsoft.com/office/officeart/2005/8/layout/hierarchy2"/>
+    <dgm:cxn modelId="{364E28FF-0BE3-4FAB-AF14-8A77AED77347}" type="presOf" srcId="{D742407B-1C71-4DCF-B0A3-AF260C408829}" destId="{C187DCA7-462C-4E35-BFB6-23D3F4EAC0C3}" srcOrd="0" destOrd="0" presId="urn:microsoft.com/office/officeart/2005/8/layout/hierarchy2"/>
+    <dgm:cxn modelId="{A4B4512D-79AB-46AC-A8FC-F1B317FB4B56}" type="presOf" srcId="{79EF6D67-F0C6-4ABB-A947-D20AEF5D6AFE}" destId="{77C8FA67-7F6A-43C7-83FA-9372006A48B1}" srcOrd="1" destOrd="0" presId="urn:microsoft.com/office/officeart/2005/8/layout/hierarchy2"/>
+    <dgm:cxn modelId="{D0E62E72-75B3-4625-99D3-1D8AEF7A7347}" type="presOf" srcId="{F5FF943A-DFB0-4824-BB39-0EC772EEB0F8}" destId="{D9FFF1FA-23F5-478E-93E8-99919BC878B3}" srcOrd="1" destOrd="0" presId="urn:microsoft.com/office/officeart/2005/8/layout/hierarchy2"/>
+    <dgm:cxn modelId="{4635D0D6-AE22-493C-A9B4-405B50EA721D}" type="presOf" srcId="{40121A89-413E-4EA8-8B0B-53A40D176781}" destId="{16AAFAEB-B252-4CBB-A5A4-3A13FA4A25A1}" srcOrd="1" destOrd="0" presId="urn:microsoft.com/office/officeart/2005/8/layout/hierarchy2"/>
+    <dgm:cxn modelId="{B188A4BD-DF8D-46B4-8027-03296E18C2EC}" type="presOf" srcId="{2BE25A0C-7850-4616-AE85-C101863866E8}" destId="{9713F28F-FB68-4B38-B989-9186AF6ECD31}" srcOrd="0" destOrd="0" presId="urn:microsoft.com/office/officeart/2005/8/layout/hierarchy2"/>
+    <dgm:cxn modelId="{5FF86E62-9099-434A-867B-C837C58C0547}" srcId="{E07078F1-5F78-4BD7-ABE0-FC4693C9BE32}" destId="{F3B6BF13-C20E-4AB2-A557-CA5399D41264}" srcOrd="3" destOrd="0" parTransId="{98DFAF76-A1C5-4AE2-A3D5-3D6092790F74}" sibTransId="{E2E61C1E-7524-4BDD-A326-14AF7F0989D6}"/>
+    <dgm:cxn modelId="{30CF784E-701D-4A24-A272-2FB1F821F76F}" type="presOf" srcId="{44E70AB2-01B6-4266-AC10-58BDC51F772E}" destId="{5A2B1C07-9E44-4E0C-834B-F5955464A892}" srcOrd="0" destOrd="0" presId="urn:microsoft.com/office/officeart/2005/8/layout/hierarchy2"/>
+    <dgm:cxn modelId="{06596A10-0C92-486E-9A2F-B0F72517D2D1}" type="presOf" srcId="{F5488047-5F2C-4032-9347-CB0B9C23680B}" destId="{7AA11850-2D2F-463A-956F-7DA775CE5E8A}" srcOrd="0" destOrd="0" presId="urn:microsoft.com/office/officeart/2005/8/layout/hierarchy2"/>
+    <dgm:cxn modelId="{1165C46D-4215-4659-8C1D-B1D9C128C2F7}" srcId="{A095C3E1-BDC1-4EA7-92BE-A73AFC0A2F8C}" destId="{1064E2BE-C102-43C3-B5F5-10F063AA3555}" srcOrd="0" destOrd="0" parTransId="{40121A89-413E-4EA8-8B0B-53A40D176781}" sibTransId="{707AD6F9-0034-4CFA-BC3F-5D872377D443}"/>
+    <dgm:cxn modelId="{8E40C4F9-DC27-49D3-927A-03E7BC64D601}" srcId="{7D66F86B-BD19-4754-BB2E-672CE094B0B8}" destId="{F5488047-5F2C-4032-9347-CB0B9C23680B}" srcOrd="0" destOrd="0" parTransId="{1EBF768B-033D-4254-A670-8ADBECB7F61E}" sibTransId="{41773E06-57C8-4F94-9653-1519D4B4507A}"/>
+    <dgm:cxn modelId="{4898C417-4600-4428-829C-1FDD2CBA327F}" type="presOf" srcId="{79EF6D67-F0C6-4ABB-A947-D20AEF5D6AFE}" destId="{5053681C-A133-420D-A1AE-235997D561A8}" srcOrd="0" destOrd="0" presId="urn:microsoft.com/office/officeart/2005/8/layout/hierarchy2"/>
+    <dgm:cxn modelId="{BFCC4697-2F6E-406C-B327-FA49B0E00D56}" type="presOf" srcId="{E1474A75-1326-4FEC-AC84-5BBED0DC0BB7}" destId="{DA4D925A-8192-477E-BE6B-5D0F0FE9AB10}" srcOrd="1" destOrd="0" presId="urn:microsoft.com/office/officeart/2005/8/layout/hierarchy2"/>
+    <dgm:cxn modelId="{98E04F98-456C-4F8E-B3C6-B3A393D87E91}" srcId="{E07078F1-5F78-4BD7-ABE0-FC4693C9BE32}" destId="{7F57F327-3682-4C8E-898E-3E22C09C304D}" srcOrd="7" destOrd="0" parTransId="{DC7BEF83-5747-4ABB-B790-A2DFFB6CC642}" sibTransId="{E858369D-531A-40EA-B92F-C8CC48DB6B58}"/>
+    <dgm:cxn modelId="{4FB7FFDD-9947-4FCE-8FB9-25CF4912FC5E}" type="presOf" srcId="{C36F80D2-E21D-488E-BB08-B9D7D10C2DB4}" destId="{E174D480-00B8-48AF-85BD-DC97CB830DB4}" srcOrd="0" destOrd="0" presId="urn:microsoft.com/office/officeart/2005/8/layout/hierarchy2"/>
+    <dgm:cxn modelId="{01335ACC-CB8C-4B6C-97D5-68509D513E98}" srcId="{E07078F1-5F78-4BD7-ABE0-FC4693C9BE32}" destId="{7D66F86B-BD19-4754-BB2E-672CE094B0B8}" srcOrd="1" destOrd="0" parTransId="{024C28CF-5FA1-4A12-8915-25976F39FC23}" sibTransId="{C860DA88-03EA-4BA3-ACF7-07EF7551E6A6}"/>
+    <dgm:cxn modelId="{AB989DC2-DE99-4E29-B12C-FE59443AC989}" type="presOf" srcId="{E07078F1-5F78-4BD7-ABE0-FC4693C9BE32}" destId="{80C93EE2-8BDE-4BB6-856B-E240D1E35D50}" srcOrd="0" destOrd="0" presId="urn:microsoft.com/office/officeart/2005/8/layout/hierarchy2"/>
+    <dgm:cxn modelId="{2010D17F-C182-4CF7-B917-67C8CAC3C633}" type="presOf" srcId="{B79D3429-FF10-4894-955A-A5A3B3DC119B}" destId="{551DE444-9793-4D4B-8185-F4B61684A627}" srcOrd="0" destOrd="0" presId="urn:microsoft.com/office/officeart/2005/8/layout/hierarchy2"/>
+    <dgm:cxn modelId="{5570621D-EBA3-48A2-B6DA-E052DC813A99}" srcId="{F3B6BF13-C20E-4AB2-A557-CA5399D41264}" destId="{271FACC1-F6EA-4CC1-8700-B5B229C6D78A}" srcOrd="1" destOrd="0" parTransId="{0E1E67C5-388B-45A4-B9E4-C9712A16F3D4}" sibTransId="{FE82F555-F2CA-42FE-8E45-6A6E100415B3}"/>
+    <dgm:cxn modelId="{E5AC0E8C-FB58-46B9-BCC3-AD529E6B4DFC}" type="presOf" srcId="{1BC46222-8F9B-44E3-AE6D-ED1F1C84CAFF}" destId="{1D43AE22-B539-4768-99BF-A8B1D9D0F3E5}" srcOrd="1" destOrd="0" presId="urn:microsoft.com/office/officeart/2005/8/layout/hierarchy2"/>
     <dgm:cxn modelId="{C4843991-F9AF-479C-B531-F1FAAAB45092}" srcId="{E07078F1-5F78-4BD7-ABE0-FC4693C9BE32}" destId="{70508897-FD63-4DF4-8BBC-02A30136D973}" srcOrd="4" destOrd="0" parTransId="{AD1CA327-F74F-40A2-82BC-494135BD37B0}" sibTransId="{142ED10A-B61E-4A20-8869-CD72ED3E1962}"/>
-    <dgm:cxn modelId="{D0E62E72-75B3-4625-99D3-1D8AEF7A7347}" type="presOf" srcId="{F5FF943A-DFB0-4824-BB39-0EC772EEB0F8}" destId="{D9FFF1FA-23F5-478E-93E8-99919BC878B3}" srcOrd="1" destOrd="0" presId="urn:microsoft.com/office/officeart/2005/8/layout/hierarchy2"/>
-    <dgm:cxn modelId="{4FB7FFDD-9947-4FCE-8FB9-25CF4912FC5E}" type="presOf" srcId="{C36F80D2-E21D-488E-BB08-B9D7D10C2DB4}" destId="{E174D480-00B8-48AF-85BD-DC97CB830DB4}" srcOrd="0" destOrd="0" presId="urn:microsoft.com/office/officeart/2005/8/layout/hierarchy2"/>
+    <dgm:cxn modelId="{AA67E76E-0A94-4E2C-A88C-D44F49C891C9}" type="presOf" srcId="{C2A5A6EE-65CC-43F2-AABE-30B8EBBD5660}" destId="{1510B2EF-280F-4BA2-80D5-B73B99FBDF3F}" srcOrd="1" destOrd="0" presId="urn:microsoft.com/office/officeart/2005/8/layout/hierarchy2"/>
+    <dgm:cxn modelId="{1116CB7D-A900-47A2-876F-D0471481E6BB}" srcId="{E07078F1-5F78-4BD7-ABE0-FC4693C9BE32}" destId="{E9AF1AAE-624B-4FF0-8467-9B5460955E82}" srcOrd="6" destOrd="0" parTransId="{44E70AB2-01B6-4266-AC10-58BDC51F772E}" sibTransId="{10590501-1707-48C6-9829-A32EC03BE570}"/>
+    <dgm:cxn modelId="{EDF05CC1-5F3F-49BB-9884-92D7B3A98CD5}" type="presOf" srcId="{77BA5DCE-A959-4773-8CB1-223D7CA79EB4}" destId="{F359C536-43F4-4787-965C-59CA95078A61}" srcOrd="0" destOrd="0" presId="urn:microsoft.com/office/officeart/2005/8/layout/hierarchy2"/>
+    <dgm:cxn modelId="{F9017727-7232-4E3C-89E1-5629E7799ED6}" type="presOf" srcId="{A095C3E1-BDC1-4EA7-92BE-A73AFC0A2F8C}" destId="{D64E22EA-0037-4CB5-BF11-9C9E2DB2106B}" srcOrd="0" destOrd="0" presId="urn:microsoft.com/office/officeart/2005/8/layout/hierarchy2"/>
+    <dgm:cxn modelId="{C340CC28-4FF4-483A-BFB7-42E260F2BB34}" type="presOf" srcId="{3A876884-6EB7-4C5C-AEDC-FE807636E800}" destId="{FAD93460-8E47-428A-83A0-967C4EF7A354}" srcOrd="0" destOrd="0" presId="urn:microsoft.com/office/officeart/2005/8/layout/hierarchy2"/>
+    <dgm:cxn modelId="{DA82288F-476E-4520-A238-2A39662A82F3}" type="presOf" srcId="{A1826FB2-D3E1-48C1-B901-BC490DCD357C}" destId="{16E6C84B-3922-4B58-BBFC-E9B79CC529C8}" srcOrd="0" destOrd="0" presId="urn:microsoft.com/office/officeart/2005/8/layout/hierarchy2"/>
+    <dgm:cxn modelId="{769BDC29-04AD-4E28-A6E5-1634292520CB}" srcId="{2BE25A0C-7850-4616-AE85-C101863866E8}" destId="{E07078F1-5F78-4BD7-ABE0-FC4693C9BE32}" srcOrd="0" destOrd="0" parTransId="{45315A26-9BA6-4769-8E58-35BBE80E4D1C}" sibTransId="{5A76D8A9-2C76-4F6C-A8BF-6B2A3475DAD9}"/>
+    <dgm:cxn modelId="{728DF02D-8E2B-4E6E-88A7-88CD2F2B5EBD}" type="presOf" srcId="{F5FF943A-DFB0-4824-BB39-0EC772EEB0F8}" destId="{5269E871-F80E-4E04-8575-B0A61926A7D7}" srcOrd="0" destOrd="0" presId="urn:microsoft.com/office/officeart/2005/8/layout/hierarchy2"/>
+    <dgm:cxn modelId="{35089F01-F129-4061-98CB-3EAB1C0E7B68}" type="presOf" srcId="{B1194AC8-70F3-45A1-8B2D-5D52E0087CE8}" destId="{AE5DA244-057F-4118-99C6-F504C9096F99}" srcOrd="0" destOrd="0" presId="urn:microsoft.com/office/officeart/2005/8/layout/hierarchy2"/>
+    <dgm:cxn modelId="{6F9EBE11-912B-41F0-B107-9DE1BF8D83C5}" type="presOf" srcId="{1BC46222-8F9B-44E3-AE6D-ED1F1C84CAFF}" destId="{CC0FBB1F-AF21-44E2-92A4-C46CBB1B91A4}" srcOrd="0" destOrd="0" presId="urn:microsoft.com/office/officeart/2005/8/layout/hierarchy2"/>
     <dgm:cxn modelId="{E58F5089-CFA9-4DBD-9995-91745C2B341F}" type="presOf" srcId="{024C28CF-5FA1-4A12-8915-25976F39FC23}" destId="{AFBC5DDA-CAA9-4CC3-8232-74A83C66C00F}" srcOrd="1" destOrd="0" presId="urn:microsoft.com/office/officeart/2005/8/layout/hierarchy2"/>
+    <dgm:cxn modelId="{D7FF3CAC-55B6-4A46-9FEA-B834B84A21FD}" type="presOf" srcId="{CEC25026-C400-4F90-ABF9-FE50F2848A7F}" destId="{D9332915-903F-4717-9DCA-1AD2DE28B86F}" srcOrd="0" destOrd="0" presId="urn:microsoft.com/office/officeart/2005/8/layout/hierarchy2"/>
+    <dgm:cxn modelId="{E644533E-ACED-474C-BC34-F4F27B844937}" type="presOf" srcId="{E1474A75-1326-4FEC-AC84-5BBED0DC0BB7}" destId="{D5EA23BF-D823-4087-9653-DDA8FDEADFDD}" srcOrd="0" destOrd="0" presId="urn:microsoft.com/office/officeart/2005/8/layout/hierarchy2"/>
+    <dgm:cxn modelId="{C73B10CA-FE01-4440-B60A-541616A5D5A0}" type="presOf" srcId="{B1194AC8-70F3-45A1-8B2D-5D52E0087CE8}" destId="{BF675387-07E4-46E2-B798-F589ACD557A3}" srcOrd="1" destOrd="0" presId="urn:microsoft.com/office/officeart/2005/8/layout/hierarchy2"/>
+    <dgm:cxn modelId="{58DF4973-DBFF-43C4-8E62-F9E0660C7EBD}" srcId="{E07078F1-5F78-4BD7-ABE0-FC4693C9BE32}" destId="{A095C3E1-BDC1-4EA7-92BE-A73AFC0A2F8C}" srcOrd="0" destOrd="0" parTransId="{A1826FB2-D3E1-48C1-B901-BC490DCD357C}" sibTransId="{3D6144DD-F9A7-407D-977A-682A415C04CD}"/>
+    <dgm:cxn modelId="{676C1B90-990B-41D0-A716-8BC4F5F909E0}" type="presOf" srcId="{77BA5DCE-A959-4773-8CB1-223D7CA79EB4}" destId="{4C63D4AF-85A2-435E-A29C-549B17474861}" srcOrd="1" destOrd="0" presId="urn:microsoft.com/office/officeart/2005/8/layout/hierarchy2"/>
+    <dgm:cxn modelId="{DDFB67F5-1A9B-46DB-998A-E004BC05C585}" type="presOf" srcId="{E9AF1AAE-624B-4FF0-8467-9B5460955E82}" destId="{C4A5A824-5BCB-4766-BA4F-8676D97D64B4}" srcOrd="0" destOrd="0" presId="urn:microsoft.com/office/officeart/2005/8/layout/hierarchy2"/>
+    <dgm:cxn modelId="{ECBE3A50-CAB7-49F9-A31C-EE86DAF6247C}" srcId="{F3B6BF13-C20E-4AB2-A557-CA5399D41264}" destId="{F47EAC7E-747B-46B4-A42F-D17F58C929C8}" srcOrd="0" destOrd="0" parTransId="{AD783A38-E7E1-4DFF-A5BE-150EA1E7CC02}" sibTransId="{8FEC9CC9-5881-43D7-8D80-D3F906E6B290}"/>
+    <dgm:cxn modelId="{33F2048D-9B16-4ADE-957F-5826544398D9}" type="presOf" srcId="{024C28CF-5FA1-4A12-8915-25976F39FC23}" destId="{35700626-7031-4AC0-A607-6FDEDB9B07AC}" srcOrd="0" destOrd="0" presId="urn:microsoft.com/office/officeart/2005/8/layout/hierarchy2"/>
+    <dgm:cxn modelId="{2366B2E4-C1A3-4B46-838D-FD85E7143A15}" srcId="{E9AF1AAE-624B-4FF0-8467-9B5460955E82}" destId="{B79D3429-FF10-4894-955A-A5A3B3DC119B}" srcOrd="0" destOrd="0" parTransId="{77BA5DCE-A959-4773-8CB1-223D7CA79EB4}" sibTransId="{9F26ABB7-B5D2-4A61-94B7-C6C3EA0B97E9}"/>
+    <dgm:cxn modelId="{E726F311-B607-4FC4-B847-37428DEB5DA9}" type="presOf" srcId="{7D66F86B-BD19-4754-BB2E-672CE094B0B8}" destId="{39E665D4-EF68-4AC0-A01F-772BE1665211}" srcOrd="0" destOrd="0" presId="urn:microsoft.com/office/officeart/2005/8/layout/hierarchy2"/>
+    <dgm:cxn modelId="{4568C2A4-CD31-4219-80BF-BFF3B5BA06E6}" type="presOf" srcId="{DC7BEF83-5747-4ABB-B790-A2DFFB6CC642}" destId="{D72BE47E-DD02-45C8-943D-99D8813CC9CA}" srcOrd="1" destOrd="0" presId="urn:microsoft.com/office/officeart/2005/8/layout/hierarchy2"/>
     <dgm:cxn modelId="{B0FE4100-1481-432B-B60A-2468F5278285}" srcId="{E07078F1-5F78-4BD7-ABE0-FC4693C9BE32}" destId="{3A876884-6EB7-4C5C-AEDC-FE807636E800}" srcOrd="2" destOrd="0" parTransId="{E1474A75-1326-4FEC-AC84-5BBED0DC0BB7}" sibTransId="{E1D81307-8023-457A-BD1A-6B7DA6718660}"/>
-    <dgm:cxn modelId="{54126D2F-1637-4B66-A9BB-DE78957D4F6A}" srcId="{7D66F86B-BD19-4754-BB2E-672CE094B0B8}" destId="{5A72E70A-3412-41D9-8EE8-E32F62832396}" srcOrd="1" destOrd="0" parTransId="{C2A5A6EE-65CC-43F2-AABE-30B8EBBD5660}" sibTransId="{5A386840-BCDA-4AAE-9856-8B8908122A8F}"/>
-    <dgm:cxn modelId="{F9017727-7232-4E3C-89E1-5629E7799ED6}" type="presOf" srcId="{A095C3E1-BDC1-4EA7-92BE-A73AFC0A2F8C}" destId="{D64E22EA-0037-4CB5-BF11-9C9E2DB2106B}" srcOrd="0" destOrd="0" presId="urn:microsoft.com/office/officeart/2005/8/layout/hierarchy2"/>
-    <dgm:cxn modelId="{2366B2E4-C1A3-4B46-838D-FD85E7143A15}" srcId="{E9AF1AAE-624B-4FF0-8467-9B5460955E82}" destId="{B79D3429-FF10-4894-955A-A5A3B3DC119B}" srcOrd="0" destOrd="0" parTransId="{77BA5DCE-A959-4773-8CB1-223D7CA79EB4}" sibTransId="{9F26ABB7-B5D2-4A61-94B7-C6C3EA0B97E9}"/>
+    <dgm:cxn modelId="{F80F5292-6924-47B7-AF5D-2189CE809A1F}" type="presOf" srcId="{AD783A38-E7E1-4DFF-A5BE-150EA1E7CC02}" destId="{C152E1E7-A0C9-4314-B3B2-D7634F65707C}" srcOrd="1" destOrd="0" presId="urn:microsoft.com/office/officeart/2005/8/layout/hierarchy2"/>
+    <dgm:cxn modelId="{38EA0089-E2F3-4398-81DF-7C53DF1B46EA}" type="presOf" srcId="{AD783A38-E7E1-4DFF-A5BE-150EA1E7CC02}" destId="{E7750440-B2E7-4DD0-A9B1-1CA9D92E7026}" srcOrd="0" destOrd="0" presId="urn:microsoft.com/office/officeart/2005/8/layout/hierarchy2"/>
+    <dgm:cxn modelId="{CDD2CA2F-A882-4B92-8E3E-43B270AF8542}" type="presOf" srcId="{AD1CA327-F74F-40A2-82BC-494135BD37B0}" destId="{6227EF54-28FB-4700-B9AD-FF114B10B0D7}" srcOrd="1" destOrd="0" presId="urn:microsoft.com/office/officeart/2005/8/layout/hierarchy2"/>
+    <dgm:cxn modelId="{1F7CD971-9654-4373-80D4-5D52E7B1E74F}" type="presOf" srcId="{1EBF768B-033D-4254-A670-8ADBECB7F61E}" destId="{7934A141-0199-4D8B-B54F-0D23FB6535FE}" srcOrd="0" destOrd="0" presId="urn:microsoft.com/office/officeart/2005/8/layout/hierarchy2"/>
+    <dgm:cxn modelId="{83146B5D-C650-4D3A-8F10-11577F5B6E00}" srcId="{F3B6BF13-C20E-4AB2-A557-CA5399D41264}" destId="{D742407B-1C71-4DCF-B0A3-AF260C408829}" srcOrd="2" destOrd="0" parTransId="{79EF6D67-F0C6-4ABB-A947-D20AEF5D6AFE}" sibTransId="{F3F91C91-ED79-4333-9AE4-8FE49FCDB6FA}"/>
+    <dgm:cxn modelId="{E812D283-8317-4DFB-9658-EBF6A491AEAA}" type="presOf" srcId="{C2A5A6EE-65CC-43F2-AABE-30B8EBBD5660}" destId="{CC4BBF34-865E-4B47-A5DF-28D5CC0CEA54}" srcOrd="0" destOrd="0" presId="urn:microsoft.com/office/officeart/2005/8/layout/hierarchy2"/>
+    <dgm:cxn modelId="{BEC34AAA-9C92-4D2B-95B1-00269F85F861}" srcId="{E07078F1-5F78-4BD7-ABE0-FC4693C9BE32}" destId="{CEC25026-C400-4F90-ABF9-FE50F2848A7F}" srcOrd="8" destOrd="0" parTransId="{F5FF943A-DFB0-4824-BB39-0EC772EEB0F8}" sibTransId="{9CE8ED97-47B3-4915-9972-7C143EDD6BEA}"/>
     <dgm:cxn modelId="{8DDC5733-23CA-4797-9B35-0A6507B14273}" type="presOf" srcId="{1064E2BE-C102-43C3-B5F5-10F063AA3555}" destId="{8617C956-5D71-455D-971D-7C04D0AC306B}" srcOrd="0" destOrd="0" presId="urn:microsoft.com/office/officeart/2005/8/layout/hierarchy2"/>
-    <dgm:cxn modelId="{5570621D-EBA3-48A2-B6DA-E052DC813A99}" srcId="{F3B6BF13-C20E-4AB2-A557-CA5399D41264}" destId="{271FACC1-F6EA-4CC1-8700-B5B229C6D78A}" srcOrd="1" destOrd="0" parTransId="{0E1E67C5-388B-45A4-B9E4-C9712A16F3D4}" sibTransId="{FE82F555-F2CA-42FE-8E45-6A6E100415B3}"/>
-    <dgm:cxn modelId="{1116CB7D-A900-47A2-876F-D0471481E6BB}" srcId="{E07078F1-5F78-4BD7-ABE0-FC4693C9BE32}" destId="{E9AF1AAE-624B-4FF0-8467-9B5460955E82}" srcOrd="6" destOrd="0" parTransId="{44E70AB2-01B6-4266-AC10-58BDC51F772E}" sibTransId="{10590501-1707-48C6-9829-A32EC03BE570}"/>
-    <dgm:cxn modelId="{B188A4BD-DF8D-46B4-8027-03296E18C2EC}" type="presOf" srcId="{2BE25A0C-7850-4616-AE85-C101863866E8}" destId="{9713F28F-FB68-4B38-B989-9186AF6ECD31}" srcOrd="0" destOrd="0" presId="urn:microsoft.com/office/officeart/2005/8/layout/hierarchy2"/>
-    <dgm:cxn modelId="{E5AC0E8C-FB58-46B9-BCC3-AD529E6B4DFC}" type="presOf" srcId="{1BC46222-8F9B-44E3-AE6D-ED1F1C84CAFF}" destId="{1D43AE22-B539-4768-99BF-A8B1D9D0F3E5}" srcOrd="1" destOrd="0" presId="urn:microsoft.com/office/officeart/2005/8/layout/hierarchy2"/>
-    <dgm:cxn modelId="{33F2048D-9B16-4ADE-957F-5826544398D9}" type="presOf" srcId="{024C28CF-5FA1-4A12-8915-25976F39FC23}" destId="{35700626-7031-4AC0-A607-6FDEDB9B07AC}" srcOrd="0" destOrd="0" presId="urn:microsoft.com/office/officeart/2005/8/layout/hierarchy2"/>
-    <dgm:cxn modelId="{1F7CD971-9654-4373-80D4-5D52E7B1E74F}" type="presOf" srcId="{1EBF768B-033D-4254-A670-8ADBECB7F61E}" destId="{7934A141-0199-4D8B-B54F-0D23FB6535FE}" srcOrd="0" destOrd="0" presId="urn:microsoft.com/office/officeart/2005/8/layout/hierarchy2"/>
-    <dgm:cxn modelId="{98E04F98-456C-4F8E-B3C6-B3A393D87E91}" srcId="{E07078F1-5F78-4BD7-ABE0-FC4693C9BE32}" destId="{7F57F327-3682-4C8E-898E-3E22C09C304D}" srcOrd="7" destOrd="0" parTransId="{DC7BEF83-5747-4ABB-B790-A2DFFB6CC642}" sibTransId="{E858369D-531A-40EA-B92F-C8CC48DB6B58}"/>
-    <dgm:cxn modelId="{A4911171-943E-4460-9D59-47FC9850B4EC}" type="presOf" srcId="{40121A89-413E-4EA8-8B0B-53A40D176781}" destId="{276C22DB-22D8-40D5-8649-972C9B774A55}" srcOrd="0" destOrd="0" presId="urn:microsoft.com/office/officeart/2005/8/layout/hierarchy2"/>
     <dgm:cxn modelId="{A0D9A79E-8F2F-4C08-858F-7211DBC536D0}" type="presParOf" srcId="{9713F28F-FB68-4B38-B989-9186AF6ECD31}" destId="{5E516100-308C-4252-8563-CEFE8998340C}" srcOrd="0" destOrd="0" presId="urn:microsoft.com/office/officeart/2005/8/layout/hierarchy2"/>
     <dgm:cxn modelId="{A1DB2377-239D-4ED7-A200-2CCBFA09DE10}" type="presParOf" srcId="{5E516100-308C-4252-8563-CEFE8998340C}" destId="{80C93EE2-8BDE-4BB6-856B-E240D1E35D50}" srcOrd="0" destOrd="0" presId="urn:microsoft.com/office/officeart/2005/8/layout/hierarchy2"/>
     <dgm:cxn modelId="{B0C92CF4-7928-4ECD-B882-5AD34FA1109E}" type="presParOf" srcId="{5E516100-308C-4252-8563-CEFE8998340C}" destId="{69B16260-8265-4B60-885C-15B8D884309B}" srcOrd="1" destOrd="0" presId="urn:microsoft.com/office/officeart/2005/8/layout/hierarchy2"/>
@@ -2811,7 +2938,7 @@
   <dgm:whole/>
   <dgm:extLst>
     <a:ext uri="http://schemas.microsoft.com/office/drawing/2008/diagram">
-      <dsp:dataModelExt xmlns:dsp="http://schemas.microsoft.com/office/drawing/2008/diagram" relId="rId6" minVer="http://schemas.openxmlformats.org/drawingml/2006/diagram"/>
+      <dsp:dataModelExt xmlns:dsp="http://schemas.microsoft.com/office/drawing/2008/diagram" relId="rId8" minVer="http://schemas.openxmlformats.org/drawingml/2006/diagram"/>
     </a:ext>
   </dgm:extLst>
 </dgm:dataModel>
@@ -9973,16 +10100,178 @@
           <a:chExt cx="0" cy="0"/>
         </a:xfrm>
       </p:grpSpPr>
+      <p:sp>
+        <p:nvSpPr>
+          <p:cNvPr id="2" name="직사각형 1">
+            <a:extLst>
+              <a:ext uri="{FF2B5EF4-FFF2-40B4-BE49-F238E27FC236}">
+                <a16:creationId xmlns:a16="http://schemas.microsoft.com/office/drawing/2014/main" id="{4C9675ED-A431-6A99-C2CB-05FA66758847}"/>
+              </a:ext>
+            </a:extLst>
+          </p:cNvPr>
+          <p:cNvSpPr/>
+          <p:nvPr/>
+        </p:nvSpPr>
+        <p:spPr>
+          <a:xfrm>
+            <a:off x="0" y="0"/>
+            <a:ext cx="705853" cy="689811"/>
+          </a:xfrm>
+          <a:prstGeom prst="rect">
+            <a:avLst/>
+          </a:prstGeom>
+          <a:ln>
+            <a:noFill/>
+          </a:ln>
+        </p:spPr>
+        <p:style>
+          <a:lnRef idx="2">
+            <a:schemeClr val="accent1">
+              <a:shade val="50000"/>
+            </a:schemeClr>
+          </a:lnRef>
+          <a:fillRef idx="1">
+            <a:schemeClr val="accent1"/>
+          </a:fillRef>
+          <a:effectRef idx="0">
+            <a:schemeClr val="accent1"/>
+          </a:effectRef>
+          <a:fontRef idx="minor">
+            <a:schemeClr val="lt1"/>
+          </a:fontRef>
+        </p:style>
+        <p:txBody>
+          <a:bodyPr rtlCol="0" anchor="ctr"/>
+          <a:lstStyle/>
+          <a:p>
+            <a:pPr algn="ctr"/>
+            <a:endParaRPr lang="ko-KR" altLang="en-US"/>
+          </a:p>
+        </p:txBody>
+      </p:sp>
+      <p:pic>
+        <p:nvPicPr>
+          <p:cNvPr id="4" name="그래픽 3" descr="쓰레기 투기 금지 윤곽선">
+            <a:extLst>
+              <a:ext uri="{FF2B5EF4-FFF2-40B4-BE49-F238E27FC236}">
+                <a16:creationId xmlns:a16="http://schemas.microsoft.com/office/drawing/2014/main" id="{FD94D4C1-7304-C283-A550-7605D9F4DF60}"/>
+              </a:ext>
+            </a:extLst>
+          </p:cNvPr>
+          <p:cNvPicPr>
+            <a:picLocks noChangeAspect="1"/>
+          </p:cNvPicPr>
+          <p:nvPr/>
+        </p:nvPicPr>
+        <p:blipFill>
+          <a:blip r:embed="rId2" cstate="screen">
+            <a:extLst>
+              <a:ext uri="{28A0092B-C50C-407E-A947-70E740481C1C}">
+                <a14:useLocalDpi xmlns:a14="http://schemas.microsoft.com/office/drawing/2010/main" val="0"/>
+              </a:ext>
+              <a:ext uri="{96DAC541-7B7A-43D3-8B79-37D633B846F1}">
+                <asvg:svgBlip xmlns="" xmlns:asvg="http://schemas.microsoft.com/office/drawing/2016/SVG/main" r:embed="rId3"/>
+              </a:ext>
+            </a:extLst>
+          </a:blip>
+          <a:stretch>
+            <a:fillRect/>
+          </a:stretch>
+        </p:blipFill>
+        <p:spPr>
+          <a:xfrm>
+            <a:off x="44249" y="36228"/>
+            <a:ext cx="617354" cy="617354"/>
+          </a:xfrm>
+          <a:prstGeom prst="rect">
+            <a:avLst/>
+          </a:prstGeom>
+        </p:spPr>
+      </p:pic>
+      <p:sp>
+        <p:nvSpPr>
+          <p:cNvPr id="5" name="TextBox 4">
+            <a:extLst>
+              <a:ext uri="{FF2B5EF4-FFF2-40B4-BE49-F238E27FC236}">
+                <a16:creationId xmlns:a16="http://schemas.microsoft.com/office/drawing/2014/main" id="{C47B8B48-8238-2C8F-9A45-558E1498F81F}"/>
+              </a:ext>
+            </a:extLst>
+          </p:cNvPr>
+          <p:cNvSpPr txBox="1"/>
+          <p:nvPr/>
+        </p:nvSpPr>
+        <p:spPr>
+          <a:xfrm>
+            <a:off x="788202" y="19050"/>
+            <a:ext cx="506870" cy="253916"/>
+          </a:xfrm>
+          <a:prstGeom prst="rect">
+            <a:avLst/>
+          </a:prstGeom>
+          <a:noFill/>
+        </p:spPr>
+        <p:txBody>
+          <a:bodyPr wrap="none" rtlCol="0">
+            <a:spAutoFit/>
+          </a:bodyPr>
+          <a:lstStyle/>
+          <a:p>
+            <a:r>
+              <a:rPr lang="en-US" altLang="ko-KR" sz="1050" dirty="0"/>
+              <a:t>Part 2</a:t>
+            </a:r>
+            <a:endParaRPr lang="ko-KR" altLang="en-US" sz="1050" dirty="0"/>
+          </a:p>
+        </p:txBody>
+      </p:sp>
+      <p:sp>
+        <p:nvSpPr>
+          <p:cNvPr id="7" name="TextBox 6">
+            <a:extLst>
+              <a:ext uri="{FF2B5EF4-FFF2-40B4-BE49-F238E27FC236}">
+                <a16:creationId xmlns:a16="http://schemas.microsoft.com/office/drawing/2014/main" id="{6F532C35-D059-C01A-F68A-CB4D199E2C01}"/>
+              </a:ext>
+            </a:extLst>
+          </p:cNvPr>
+          <p:cNvSpPr txBox="1"/>
+          <p:nvPr/>
+        </p:nvSpPr>
+        <p:spPr>
+          <a:xfrm>
+            <a:off x="746927" y="130362"/>
+            <a:ext cx="1544012" cy="523220"/>
+          </a:xfrm>
+          <a:prstGeom prst="rect">
+            <a:avLst/>
+          </a:prstGeom>
+          <a:noFill/>
+        </p:spPr>
+        <p:txBody>
+          <a:bodyPr wrap="none" rtlCol="0">
+            <a:spAutoFit/>
+          </a:bodyPr>
+          <a:lstStyle/>
+          <a:p>
+            <a:r>
+              <a:rPr lang="ko-KR" altLang="en-US" sz="2800" spc="-150" dirty="0" err="1" smtClean="0">
+                <a:latin typeface="+mj-ea"/>
+                <a:ea typeface="+mj-ea"/>
+              </a:rPr>
+              <a:t>웹페이지</a:t>
+            </a:r>
+            <a:endParaRPr lang="ko-KR" altLang="en-US" sz="2800" spc="-150" dirty="0">
+              <a:latin typeface="+mj-ea"/>
+              <a:ea typeface="+mj-ea"/>
+            </a:endParaRPr>
+          </a:p>
+        </p:txBody>
+      </p:sp>
       <p:graphicFrame>
         <p:nvGraphicFramePr>
-          <p:cNvPr id="9" name="다이어그램 8"/>
+          <p:cNvPr id="13" name="다이어그램 12"/>
           <p:cNvGraphicFramePr/>
           <p:nvPr>
-            <p:extLst>
-              <p:ext uri="{D42A27DB-BD31-4B8C-83A1-F6EECF244321}">
-                <p14:modId xmlns:p14="http://schemas.microsoft.com/office/powerpoint/2010/main" val="1105073207"/>
-              </p:ext>
-            </p:extLst>
+            <p:extLst/>
           </p:nvPr>
         </p:nvGraphicFramePr>
         <p:xfrm>
@@ -9991,14 +10280,14 @@
         </p:xfrm>
         <a:graphic>
           <a:graphicData uri="http://schemas.openxmlformats.org/drawingml/2006/diagram">
-            <dgm:relIds xmlns:dgm="http://schemas.openxmlformats.org/drawingml/2006/diagram" xmlns:r="http://schemas.openxmlformats.org/officeDocument/2006/relationships" r:dm="rId2" r:lo="rId3" r:qs="rId4" r:cs="rId5"/>
+            <dgm:relIds xmlns:dgm="http://schemas.openxmlformats.org/drawingml/2006/diagram" xmlns:r="http://schemas.openxmlformats.org/officeDocument/2006/relationships" r:dm="rId4" r:lo="rId5" r:qs="rId6" r:cs="rId7"/>
           </a:graphicData>
         </a:graphic>
       </p:graphicFrame>
     </p:spTree>
     <p:extLst>
       <p:ext uri="{BB962C8B-B14F-4D97-AF65-F5344CB8AC3E}">
-        <p14:creationId xmlns:p14="http://schemas.microsoft.com/office/powerpoint/2010/main" val="4045738219"/>
+        <p14:creationId xmlns:p14="http://schemas.microsoft.com/office/powerpoint/2010/main" val="1255760070"/>
       </p:ext>
     </p:extLst>
   </p:cSld>
@@ -10128,10 +10417,65 @@
           </a:p>
         </p:txBody>
       </p:sp>
+      <p:sp>
+        <p:nvSpPr>
+          <p:cNvPr id="5" name="모서리가 둥근 직사각형 4"/>
+          <p:cNvSpPr/>
+          <p:nvPr/>
+        </p:nvSpPr>
+        <p:spPr>
+          <a:xfrm>
+            <a:off x="8674100" y="304800"/>
+            <a:ext cx="1473200" cy="647700"/>
+          </a:xfrm>
+          <a:prstGeom prst="roundRect">
+            <a:avLst/>
+          </a:prstGeom>
+        </p:spPr>
+        <p:style>
+          <a:lnRef idx="2">
+            <a:schemeClr val="accent1">
+              <a:shade val="50000"/>
+            </a:schemeClr>
+          </a:lnRef>
+          <a:fillRef idx="1">
+            <a:schemeClr val="accent1"/>
+          </a:fillRef>
+          <a:effectRef idx="0">
+            <a:schemeClr val="accent1"/>
+          </a:effectRef>
+          <a:fontRef idx="minor">
+            <a:schemeClr val="lt1"/>
+          </a:fontRef>
+        </p:style>
+        <p:txBody>
+          <a:bodyPr rtlCol="0" anchor="ctr"/>
+          <a:lstStyle/>
+          <a:p>
+            <a:pPr algn="ctr"/>
+            <a:r>
+              <a:rPr lang="ko-KR" altLang="en-US" sz="2500" b="1" dirty="0" smtClean="0">
+                <a:solidFill>
+                  <a:schemeClr val="tx1"/>
+                </a:solidFill>
+                <a:latin typeface="Inter" panose="020B0502030000000004" pitchFamily="34" charset="0"/>
+                <a:hlinkClick r:id="rId3" action="ppaction://hlinksldjump"/>
+              </a:rPr>
+              <a:t>홈으로</a:t>
+            </a:r>
+            <a:endParaRPr lang="ko-KR" altLang="en-US" sz="2500" b="1" dirty="0">
+              <a:solidFill>
+                <a:schemeClr val="tx1"/>
+              </a:solidFill>
+              <a:latin typeface="Inter" panose="020B0502030000000004" pitchFamily="34" charset="0"/>
+            </a:endParaRPr>
+          </a:p>
+        </p:txBody>
+      </p:sp>
     </p:spTree>
     <p:extLst>
       <p:ext uri="{BB962C8B-B14F-4D97-AF65-F5344CB8AC3E}">
-        <p14:creationId xmlns:p14="http://schemas.microsoft.com/office/powerpoint/2010/main" val="279844740"/>
+        <p14:creationId xmlns:p14="http://schemas.microsoft.com/office/powerpoint/2010/main" val="491395631"/>
       </p:ext>
     </p:extLst>
   </p:cSld>
@@ -10261,10 +10605,65 @@
           </a:p>
         </p:txBody>
       </p:sp>
+      <p:sp>
+        <p:nvSpPr>
+          <p:cNvPr id="5" name="모서리가 둥근 직사각형 4"/>
+          <p:cNvSpPr/>
+          <p:nvPr/>
+        </p:nvSpPr>
+        <p:spPr>
+          <a:xfrm>
+            <a:off x="8674100" y="304800"/>
+            <a:ext cx="1473200" cy="647700"/>
+          </a:xfrm>
+          <a:prstGeom prst="roundRect">
+            <a:avLst/>
+          </a:prstGeom>
+        </p:spPr>
+        <p:style>
+          <a:lnRef idx="2">
+            <a:schemeClr val="accent1">
+              <a:shade val="50000"/>
+            </a:schemeClr>
+          </a:lnRef>
+          <a:fillRef idx="1">
+            <a:schemeClr val="accent1"/>
+          </a:fillRef>
+          <a:effectRef idx="0">
+            <a:schemeClr val="accent1"/>
+          </a:effectRef>
+          <a:fontRef idx="minor">
+            <a:schemeClr val="lt1"/>
+          </a:fontRef>
+        </p:style>
+        <p:txBody>
+          <a:bodyPr rtlCol="0" anchor="ctr"/>
+          <a:lstStyle/>
+          <a:p>
+            <a:pPr algn="ctr"/>
+            <a:r>
+              <a:rPr lang="ko-KR" altLang="en-US" sz="2500" b="1" dirty="0" smtClean="0">
+                <a:solidFill>
+                  <a:schemeClr val="tx1"/>
+                </a:solidFill>
+                <a:latin typeface="Inter" panose="020B0502030000000004" pitchFamily="34" charset="0"/>
+                <a:hlinkClick r:id="rId3" action="ppaction://hlinksldjump"/>
+              </a:rPr>
+              <a:t>홈으로</a:t>
+            </a:r>
+            <a:endParaRPr lang="ko-KR" altLang="en-US" sz="2500" b="1" dirty="0">
+              <a:solidFill>
+                <a:schemeClr val="tx1"/>
+              </a:solidFill>
+              <a:latin typeface="Inter" panose="020B0502030000000004" pitchFamily="34" charset="0"/>
+            </a:endParaRPr>
+          </a:p>
+        </p:txBody>
+      </p:sp>
     </p:spTree>
     <p:extLst>
       <p:ext uri="{BB962C8B-B14F-4D97-AF65-F5344CB8AC3E}">
-        <p14:creationId xmlns:p14="http://schemas.microsoft.com/office/powerpoint/2010/main" val="3172963287"/>
+        <p14:creationId xmlns:p14="http://schemas.microsoft.com/office/powerpoint/2010/main" val="4273293716"/>
       </p:ext>
     </p:extLst>
   </p:cSld>
@@ -10394,10 +10793,65 @@
           </a:p>
         </p:txBody>
       </p:sp>
+      <p:sp>
+        <p:nvSpPr>
+          <p:cNvPr id="5" name="모서리가 둥근 직사각형 4"/>
+          <p:cNvSpPr/>
+          <p:nvPr/>
+        </p:nvSpPr>
+        <p:spPr>
+          <a:xfrm>
+            <a:off x="8674100" y="304800"/>
+            <a:ext cx="1473200" cy="647700"/>
+          </a:xfrm>
+          <a:prstGeom prst="roundRect">
+            <a:avLst/>
+          </a:prstGeom>
+        </p:spPr>
+        <p:style>
+          <a:lnRef idx="2">
+            <a:schemeClr val="accent1">
+              <a:shade val="50000"/>
+            </a:schemeClr>
+          </a:lnRef>
+          <a:fillRef idx="1">
+            <a:schemeClr val="accent1"/>
+          </a:fillRef>
+          <a:effectRef idx="0">
+            <a:schemeClr val="accent1"/>
+          </a:effectRef>
+          <a:fontRef idx="minor">
+            <a:schemeClr val="lt1"/>
+          </a:fontRef>
+        </p:style>
+        <p:txBody>
+          <a:bodyPr rtlCol="0" anchor="ctr"/>
+          <a:lstStyle/>
+          <a:p>
+            <a:pPr algn="ctr"/>
+            <a:r>
+              <a:rPr lang="ko-KR" altLang="en-US" sz="2500" b="1" dirty="0" smtClean="0">
+                <a:solidFill>
+                  <a:schemeClr val="tx1"/>
+                </a:solidFill>
+                <a:latin typeface="Inter" panose="020B0502030000000004" pitchFamily="34" charset="0"/>
+                <a:hlinkClick r:id="rId3" action="ppaction://hlinksldjump"/>
+              </a:rPr>
+              <a:t>홈으로</a:t>
+            </a:r>
+            <a:endParaRPr lang="ko-KR" altLang="en-US" sz="2500" b="1" dirty="0">
+              <a:solidFill>
+                <a:schemeClr val="tx1"/>
+              </a:solidFill>
+              <a:latin typeface="Inter" panose="020B0502030000000004" pitchFamily="34" charset="0"/>
+            </a:endParaRPr>
+          </a:p>
+        </p:txBody>
+      </p:sp>
     </p:spTree>
     <p:extLst>
       <p:ext uri="{BB962C8B-B14F-4D97-AF65-F5344CB8AC3E}">
-        <p14:creationId xmlns:p14="http://schemas.microsoft.com/office/powerpoint/2010/main" val="4198657740"/>
+        <p14:creationId xmlns:p14="http://schemas.microsoft.com/office/powerpoint/2010/main" val="1963964166"/>
       </p:ext>
     </p:extLst>
   </p:cSld>
@@ -10674,10 +11128,65 @@
           </a:p>
         </p:txBody>
       </p:sp>
+      <p:sp>
+        <p:nvSpPr>
+          <p:cNvPr id="10" name="모서리가 둥근 직사각형 9"/>
+          <p:cNvSpPr/>
+          <p:nvPr/>
+        </p:nvSpPr>
+        <p:spPr>
+          <a:xfrm>
+            <a:off x="8674100" y="304800"/>
+            <a:ext cx="1473200" cy="647700"/>
+          </a:xfrm>
+          <a:prstGeom prst="roundRect">
+            <a:avLst/>
+          </a:prstGeom>
+        </p:spPr>
+        <p:style>
+          <a:lnRef idx="2">
+            <a:schemeClr val="accent1">
+              <a:shade val="50000"/>
+            </a:schemeClr>
+          </a:lnRef>
+          <a:fillRef idx="1">
+            <a:schemeClr val="accent1"/>
+          </a:fillRef>
+          <a:effectRef idx="0">
+            <a:schemeClr val="accent1"/>
+          </a:effectRef>
+          <a:fontRef idx="minor">
+            <a:schemeClr val="lt1"/>
+          </a:fontRef>
+        </p:style>
+        <p:txBody>
+          <a:bodyPr rtlCol="0" anchor="ctr"/>
+          <a:lstStyle/>
+          <a:p>
+            <a:pPr algn="ctr"/>
+            <a:r>
+              <a:rPr lang="ko-KR" altLang="en-US" sz="2500" b="1" dirty="0" smtClean="0">
+                <a:solidFill>
+                  <a:schemeClr val="tx1"/>
+                </a:solidFill>
+                <a:latin typeface="Inter" panose="020B0502030000000004" pitchFamily="34" charset="0"/>
+                <a:hlinkClick r:id="rId3" action="ppaction://hlinksldjump"/>
+              </a:rPr>
+              <a:t>홈으로</a:t>
+            </a:r>
+            <a:endParaRPr lang="ko-KR" altLang="en-US" sz="2500" b="1" dirty="0">
+              <a:solidFill>
+                <a:schemeClr val="tx1"/>
+              </a:solidFill>
+              <a:latin typeface="Inter" panose="020B0502030000000004" pitchFamily="34" charset="0"/>
+            </a:endParaRPr>
+          </a:p>
+        </p:txBody>
+      </p:sp>
     </p:spTree>
     <p:extLst>
       <p:ext uri="{BB962C8B-B14F-4D97-AF65-F5344CB8AC3E}">
-        <p14:creationId xmlns:p14="http://schemas.microsoft.com/office/powerpoint/2010/main" val="3820268241"/>
+        <p14:creationId xmlns:p14="http://schemas.microsoft.com/office/powerpoint/2010/main" val="3764846344"/>
       </p:ext>
     </p:extLst>
   </p:cSld>
@@ -10856,10 +11365,65 @@
           </a:p>
         </p:txBody>
       </p:sp>
+      <p:sp>
+        <p:nvSpPr>
+          <p:cNvPr id="6" name="모서리가 둥근 직사각형 5"/>
+          <p:cNvSpPr/>
+          <p:nvPr/>
+        </p:nvSpPr>
+        <p:spPr>
+          <a:xfrm>
+            <a:off x="8674100" y="304800"/>
+            <a:ext cx="1473200" cy="647700"/>
+          </a:xfrm>
+          <a:prstGeom prst="roundRect">
+            <a:avLst/>
+          </a:prstGeom>
+        </p:spPr>
+        <p:style>
+          <a:lnRef idx="2">
+            <a:schemeClr val="accent1">
+              <a:shade val="50000"/>
+            </a:schemeClr>
+          </a:lnRef>
+          <a:fillRef idx="1">
+            <a:schemeClr val="accent1"/>
+          </a:fillRef>
+          <a:effectRef idx="0">
+            <a:schemeClr val="accent1"/>
+          </a:effectRef>
+          <a:fontRef idx="minor">
+            <a:schemeClr val="lt1"/>
+          </a:fontRef>
+        </p:style>
+        <p:txBody>
+          <a:bodyPr rtlCol="0" anchor="ctr"/>
+          <a:lstStyle/>
+          <a:p>
+            <a:pPr algn="ctr"/>
+            <a:r>
+              <a:rPr lang="ko-KR" altLang="en-US" sz="2500" b="1" dirty="0" smtClean="0">
+                <a:solidFill>
+                  <a:schemeClr val="tx1"/>
+                </a:solidFill>
+                <a:latin typeface="Inter" panose="020B0502030000000004" pitchFamily="34" charset="0"/>
+                <a:hlinkClick r:id="rId3" action="ppaction://hlinksldjump"/>
+              </a:rPr>
+              <a:t>홈으로</a:t>
+            </a:r>
+            <a:endParaRPr lang="ko-KR" altLang="en-US" sz="2500" b="1" dirty="0">
+              <a:solidFill>
+                <a:schemeClr val="tx1"/>
+              </a:solidFill>
+              <a:latin typeface="Inter" panose="020B0502030000000004" pitchFamily="34" charset="0"/>
+            </a:endParaRPr>
+          </a:p>
+        </p:txBody>
+      </p:sp>
     </p:spTree>
     <p:extLst>
       <p:ext uri="{BB962C8B-B14F-4D97-AF65-F5344CB8AC3E}">
-        <p14:creationId xmlns:p14="http://schemas.microsoft.com/office/powerpoint/2010/main" val="3937389452"/>
+        <p14:creationId xmlns:p14="http://schemas.microsoft.com/office/powerpoint/2010/main" val="3832530810"/>
       </p:ext>
     </p:extLst>
   </p:cSld>
@@ -11038,10 +11602,65 @@
           </a:p>
         </p:txBody>
       </p:sp>
+      <p:sp>
+        <p:nvSpPr>
+          <p:cNvPr id="6" name="모서리가 둥근 직사각형 5"/>
+          <p:cNvSpPr/>
+          <p:nvPr/>
+        </p:nvSpPr>
+        <p:spPr>
+          <a:xfrm>
+            <a:off x="8674100" y="304800"/>
+            <a:ext cx="1473200" cy="647700"/>
+          </a:xfrm>
+          <a:prstGeom prst="roundRect">
+            <a:avLst/>
+          </a:prstGeom>
+        </p:spPr>
+        <p:style>
+          <a:lnRef idx="2">
+            <a:schemeClr val="accent1">
+              <a:shade val="50000"/>
+            </a:schemeClr>
+          </a:lnRef>
+          <a:fillRef idx="1">
+            <a:schemeClr val="accent1"/>
+          </a:fillRef>
+          <a:effectRef idx="0">
+            <a:schemeClr val="accent1"/>
+          </a:effectRef>
+          <a:fontRef idx="minor">
+            <a:schemeClr val="lt1"/>
+          </a:fontRef>
+        </p:style>
+        <p:txBody>
+          <a:bodyPr rtlCol="0" anchor="ctr"/>
+          <a:lstStyle/>
+          <a:p>
+            <a:pPr algn="ctr"/>
+            <a:r>
+              <a:rPr lang="ko-KR" altLang="en-US" sz="2500" b="1" dirty="0" smtClean="0">
+                <a:solidFill>
+                  <a:schemeClr val="tx1"/>
+                </a:solidFill>
+                <a:latin typeface="Inter" panose="020B0502030000000004" pitchFamily="34" charset="0"/>
+                <a:hlinkClick r:id="rId3" action="ppaction://hlinksldjump"/>
+              </a:rPr>
+              <a:t>홈으로</a:t>
+            </a:r>
+            <a:endParaRPr lang="ko-KR" altLang="en-US" sz="2500" b="1" dirty="0">
+              <a:solidFill>
+                <a:schemeClr val="tx1"/>
+              </a:solidFill>
+              <a:latin typeface="Inter" panose="020B0502030000000004" pitchFamily="34" charset="0"/>
+            </a:endParaRPr>
+          </a:p>
+        </p:txBody>
+      </p:sp>
     </p:spTree>
     <p:extLst>
       <p:ext uri="{BB962C8B-B14F-4D97-AF65-F5344CB8AC3E}">
-        <p14:creationId xmlns:p14="http://schemas.microsoft.com/office/powerpoint/2010/main" val="3984721355"/>
+        <p14:creationId xmlns:p14="http://schemas.microsoft.com/office/powerpoint/2010/main" val="1626389211"/>
       </p:ext>
     </p:extLst>
   </p:cSld>
@@ -11171,10 +11790,65 @@
           </a:p>
         </p:txBody>
       </p:sp>
+      <p:sp>
+        <p:nvSpPr>
+          <p:cNvPr id="5" name="모서리가 둥근 직사각형 4"/>
+          <p:cNvSpPr/>
+          <p:nvPr/>
+        </p:nvSpPr>
+        <p:spPr>
+          <a:xfrm>
+            <a:off x="8674100" y="304800"/>
+            <a:ext cx="1473200" cy="647700"/>
+          </a:xfrm>
+          <a:prstGeom prst="roundRect">
+            <a:avLst/>
+          </a:prstGeom>
+        </p:spPr>
+        <p:style>
+          <a:lnRef idx="2">
+            <a:schemeClr val="accent1">
+              <a:shade val="50000"/>
+            </a:schemeClr>
+          </a:lnRef>
+          <a:fillRef idx="1">
+            <a:schemeClr val="accent1"/>
+          </a:fillRef>
+          <a:effectRef idx="0">
+            <a:schemeClr val="accent1"/>
+          </a:effectRef>
+          <a:fontRef idx="minor">
+            <a:schemeClr val="lt1"/>
+          </a:fontRef>
+        </p:style>
+        <p:txBody>
+          <a:bodyPr rtlCol="0" anchor="ctr"/>
+          <a:lstStyle/>
+          <a:p>
+            <a:pPr algn="ctr"/>
+            <a:r>
+              <a:rPr lang="ko-KR" altLang="en-US" sz="2500" b="1" dirty="0" smtClean="0">
+                <a:solidFill>
+                  <a:schemeClr val="tx1"/>
+                </a:solidFill>
+                <a:latin typeface="Inter" panose="020B0502030000000004" pitchFamily="34" charset="0"/>
+                <a:hlinkClick r:id="rId3" action="ppaction://hlinksldjump"/>
+              </a:rPr>
+              <a:t>홈으로</a:t>
+            </a:r>
+            <a:endParaRPr lang="ko-KR" altLang="en-US" sz="2500" b="1" dirty="0">
+              <a:solidFill>
+                <a:schemeClr val="tx1"/>
+              </a:solidFill>
+              <a:latin typeface="Inter" panose="020B0502030000000004" pitchFamily="34" charset="0"/>
+            </a:endParaRPr>
+          </a:p>
+        </p:txBody>
+      </p:sp>
     </p:spTree>
     <p:extLst>
       <p:ext uri="{BB962C8B-B14F-4D97-AF65-F5344CB8AC3E}">
-        <p14:creationId xmlns:p14="http://schemas.microsoft.com/office/powerpoint/2010/main" val="3435118738"/>
+        <p14:creationId xmlns:p14="http://schemas.microsoft.com/office/powerpoint/2010/main" val="1019192790"/>
       </p:ext>
     </p:extLst>
   </p:cSld>
@@ -11304,10 +11978,308 @@
           </a:p>
         </p:txBody>
       </p:sp>
+      <p:sp>
+        <p:nvSpPr>
+          <p:cNvPr id="5" name="모서리가 둥근 직사각형 4"/>
+          <p:cNvSpPr/>
+          <p:nvPr/>
+        </p:nvSpPr>
+        <p:spPr>
+          <a:xfrm>
+            <a:off x="8674100" y="304800"/>
+            <a:ext cx="1473200" cy="647700"/>
+          </a:xfrm>
+          <a:prstGeom prst="roundRect">
+            <a:avLst/>
+          </a:prstGeom>
+        </p:spPr>
+        <p:style>
+          <a:lnRef idx="2">
+            <a:schemeClr val="accent1">
+              <a:shade val="50000"/>
+            </a:schemeClr>
+          </a:lnRef>
+          <a:fillRef idx="1">
+            <a:schemeClr val="accent1"/>
+          </a:fillRef>
+          <a:effectRef idx="0">
+            <a:schemeClr val="accent1"/>
+          </a:effectRef>
+          <a:fontRef idx="minor">
+            <a:schemeClr val="lt1"/>
+          </a:fontRef>
+        </p:style>
+        <p:txBody>
+          <a:bodyPr rtlCol="0" anchor="ctr"/>
+          <a:lstStyle/>
+          <a:p>
+            <a:pPr algn="ctr"/>
+            <a:r>
+              <a:rPr lang="ko-KR" altLang="en-US" sz="2500" b="1" dirty="0" smtClean="0">
+                <a:solidFill>
+                  <a:schemeClr val="tx1"/>
+                </a:solidFill>
+                <a:latin typeface="Inter" panose="020B0502030000000004" pitchFamily="34" charset="0"/>
+                <a:hlinkClick r:id="rId3" action="ppaction://hlinksldjump"/>
+              </a:rPr>
+              <a:t>홈으로</a:t>
+            </a:r>
+            <a:endParaRPr lang="ko-KR" altLang="en-US" sz="2500" b="1" dirty="0">
+              <a:solidFill>
+                <a:schemeClr val="tx1"/>
+              </a:solidFill>
+              <a:latin typeface="Inter" panose="020B0502030000000004" pitchFamily="34" charset="0"/>
+            </a:endParaRPr>
+          </a:p>
+        </p:txBody>
+      </p:sp>
     </p:spTree>
     <p:extLst>
       <p:ext uri="{BB962C8B-B14F-4D97-AF65-F5344CB8AC3E}">
-        <p14:creationId xmlns:p14="http://schemas.microsoft.com/office/powerpoint/2010/main" val="2483985629"/>
+        <p14:creationId xmlns:p14="http://schemas.microsoft.com/office/powerpoint/2010/main" val="2297965360"/>
+      </p:ext>
+    </p:extLst>
+  </p:cSld>
+  <p:clrMapOvr>
+    <a:masterClrMapping/>
+  </p:clrMapOvr>
+  <p:timing>
+    <p:tnLst>
+      <p:par>
+        <p:cTn id="1" dur="indefinite" restart="never" nodeType="tmRoot"/>
+      </p:par>
+    </p:tnLst>
+  </p:timing>
+</p:sld>
+</file>
+
+<file path=ppt/slides/slide18.xml><?xml version="1.0" encoding="utf-8"?>
+<p:sld xmlns:a="http://schemas.openxmlformats.org/drawingml/2006/main" xmlns:r="http://schemas.openxmlformats.org/officeDocument/2006/relationships" xmlns:p="http://schemas.openxmlformats.org/presentationml/2006/main">
+  <p:cSld>
+    <p:spTree>
+      <p:nvGrpSpPr>
+        <p:cNvPr id="1" name=""/>
+        <p:cNvGrpSpPr/>
+        <p:nvPr/>
+      </p:nvGrpSpPr>
+      <p:grpSpPr>
+        <a:xfrm>
+          <a:off x="0" y="0"/>
+          <a:ext cx="0" cy="0"/>
+          <a:chOff x="0" y="0"/>
+          <a:chExt cx="0" cy="0"/>
+        </a:xfrm>
+      </p:grpSpPr>
+      <p:pic>
+        <p:nvPicPr>
+          <p:cNvPr id="4" name="그림 3"/>
+          <p:cNvPicPr>
+            <a:picLocks noChangeAspect="1"/>
+          </p:cNvPicPr>
+          <p:nvPr/>
+        </p:nvPicPr>
+        <p:blipFill>
+          <a:blip r:embed="rId2">
+            <a:extLst>
+              <a:ext uri="{28A0092B-C50C-407E-A947-70E740481C1C}">
+                <a14:useLocalDpi xmlns:a14="http://schemas.microsoft.com/office/drawing/2010/main" val="0"/>
+              </a:ext>
+            </a:extLst>
+          </a:blip>
+          <a:stretch>
+            <a:fillRect/>
+          </a:stretch>
+        </p:blipFill>
+        <p:spPr>
+          <a:xfrm>
+            <a:off x="1658836" y="1580834"/>
+            <a:ext cx="8494713" cy="5051307"/>
+          </a:xfrm>
+          <a:prstGeom prst="rect">
+            <a:avLst/>
+          </a:prstGeom>
+        </p:spPr>
+      </p:pic>
+      <p:sp>
+        <p:nvSpPr>
+          <p:cNvPr id="2" name="제목 1"/>
+          <p:cNvSpPr>
+            <a:spLocks noGrp="1"/>
+          </p:cNvSpPr>
+          <p:nvPr>
+            <p:ph type="title"/>
+          </p:nvPr>
+        </p:nvSpPr>
+        <p:spPr/>
+        <p:txBody>
+          <a:bodyPr/>
+          <a:lstStyle/>
+          <a:p>
+            <a:r>
+              <a:rPr lang="ko-KR" altLang="en-US" dirty="0" smtClean="0"/>
+              <a:t>외환상품 페이지</a:t>
+            </a:r>
+            <a:endParaRPr lang="ko-KR" altLang="en-US" dirty="0"/>
+          </a:p>
+        </p:txBody>
+      </p:sp>
+      <p:sp>
+        <p:nvSpPr>
+          <p:cNvPr id="6" name="모서리가 둥근 직사각형 5"/>
+          <p:cNvSpPr/>
+          <p:nvPr/>
+        </p:nvSpPr>
+        <p:spPr>
+          <a:xfrm>
+            <a:off x="6611684" y="2527000"/>
+            <a:ext cx="1643315" cy="379398"/>
+          </a:xfrm>
+          <a:prstGeom prst="roundRect">
+            <a:avLst/>
+          </a:prstGeom>
+          <a:noFill/>
+          <a:ln w="57150">
+            <a:solidFill>
+              <a:schemeClr val="accent4">
+                <a:lumMod val="60000"/>
+                <a:lumOff val="40000"/>
+              </a:schemeClr>
+            </a:solidFill>
+          </a:ln>
+        </p:spPr>
+        <p:style>
+          <a:lnRef idx="2">
+            <a:schemeClr val="accent1">
+              <a:shade val="50000"/>
+            </a:schemeClr>
+          </a:lnRef>
+          <a:fillRef idx="1">
+            <a:schemeClr val="accent1"/>
+          </a:fillRef>
+          <a:effectRef idx="0">
+            <a:schemeClr val="accent1"/>
+          </a:effectRef>
+          <a:fontRef idx="minor">
+            <a:schemeClr val="lt1"/>
+          </a:fontRef>
+        </p:style>
+        <p:txBody>
+          <a:bodyPr rtlCol="0" anchor="ctr"/>
+          <a:lstStyle/>
+          <a:p>
+            <a:pPr algn="ctr"/>
+            <a:endParaRPr lang="ko-KR" altLang="en-US"/>
+          </a:p>
+        </p:txBody>
+      </p:sp>
+      <p:sp>
+        <p:nvSpPr>
+          <p:cNvPr id="7" name="모서리가 둥근 직사각형 6"/>
+          <p:cNvSpPr/>
+          <p:nvPr/>
+        </p:nvSpPr>
+        <p:spPr>
+          <a:xfrm>
+            <a:off x="2504722" y="2507385"/>
+            <a:ext cx="3261077" cy="399012"/>
+          </a:xfrm>
+          <a:prstGeom prst="roundRect">
+            <a:avLst/>
+          </a:prstGeom>
+          <a:noFill/>
+          <a:ln w="57150">
+            <a:solidFill>
+              <a:schemeClr val="accent4">
+                <a:lumMod val="60000"/>
+                <a:lumOff val="40000"/>
+              </a:schemeClr>
+            </a:solidFill>
+          </a:ln>
+        </p:spPr>
+        <p:style>
+          <a:lnRef idx="2">
+            <a:schemeClr val="accent1">
+              <a:shade val="50000"/>
+            </a:schemeClr>
+          </a:lnRef>
+          <a:fillRef idx="1">
+            <a:schemeClr val="accent1"/>
+          </a:fillRef>
+          <a:effectRef idx="0">
+            <a:schemeClr val="accent1"/>
+          </a:effectRef>
+          <a:fontRef idx="minor">
+            <a:schemeClr val="lt1"/>
+          </a:fontRef>
+        </p:style>
+        <p:txBody>
+          <a:bodyPr rtlCol="0" anchor="ctr"/>
+          <a:lstStyle/>
+          <a:p>
+            <a:pPr algn="ctr"/>
+            <a:endParaRPr lang="ko-KR" altLang="en-US"/>
+          </a:p>
+        </p:txBody>
+      </p:sp>
+      <p:sp>
+        <p:nvSpPr>
+          <p:cNvPr id="8" name="모서리가 둥근 직사각형 7"/>
+          <p:cNvSpPr/>
+          <p:nvPr/>
+        </p:nvSpPr>
+        <p:spPr>
+          <a:xfrm>
+            <a:off x="8674100" y="304800"/>
+            <a:ext cx="1473200" cy="647700"/>
+          </a:xfrm>
+          <a:prstGeom prst="roundRect">
+            <a:avLst/>
+          </a:prstGeom>
+        </p:spPr>
+        <p:style>
+          <a:lnRef idx="2">
+            <a:schemeClr val="accent1">
+              <a:shade val="50000"/>
+            </a:schemeClr>
+          </a:lnRef>
+          <a:fillRef idx="1">
+            <a:schemeClr val="accent1"/>
+          </a:fillRef>
+          <a:effectRef idx="0">
+            <a:schemeClr val="accent1"/>
+          </a:effectRef>
+          <a:fontRef idx="minor">
+            <a:schemeClr val="lt1"/>
+          </a:fontRef>
+        </p:style>
+        <p:txBody>
+          <a:bodyPr rtlCol="0" anchor="ctr"/>
+          <a:lstStyle/>
+          <a:p>
+            <a:pPr algn="ctr"/>
+            <a:r>
+              <a:rPr lang="ko-KR" altLang="en-US" sz="2500" b="1" dirty="0" smtClean="0">
+                <a:solidFill>
+                  <a:schemeClr val="tx1"/>
+                </a:solidFill>
+                <a:latin typeface="Inter" panose="020B0502030000000004" pitchFamily="34" charset="0"/>
+                <a:hlinkClick r:id="rId3" action="ppaction://hlinksldjump"/>
+              </a:rPr>
+              <a:t>홈으로</a:t>
+            </a:r>
+            <a:endParaRPr lang="ko-KR" altLang="en-US" sz="2500" b="1" dirty="0">
+              <a:solidFill>
+                <a:schemeClr val="tx1"/>
+              </a:solidFill>
+              <a:latin typeface="Inter" panose="020B0502030000000004" pitchFamily="34" charset="0"/>
+            </a:endParaRPr>
+          </a:p>
+        </p:txBody>
+      </p:sp>
+    </p:spTree>
+    <p:extLst>
+      <p:ext uri="{BB962C8B-B14F-4D97-AF65-F5344CB8AC3E}">
+        <p14:creationId xmlns:p14="http://schemas.microsoft.com/office/powerpoint/2010/main" val="1605227991"/>
       </p:ext>
     </p:extLst>
   </p:cSld>
@@ -11380,7 +12352,12 @@
             <p:ph type="title"/>
           </p:nvPr>
         </p:nvSpPr>
-        <p:spPr/>
+        <p:spPr>
+          <a:xfrm>
+            <a:off x="88137" y="94871"/>
+            <a:ext cx="10515600" cy="1325563"/>
+          </a:xfrm>
+        </p:spPr>
         <p:txBody>
           <a:bodyPr/>
           <a:lstStyle/>
@@ -11540,10 +12517,65 @@
           </a:p>
         </p:txBody>
       </p:sp>
+      <p:sp>
+        <p:nvSpPr>
+          <p:cNvPr id="3" name="모서리가 둥근 직사각형 2"/>
+          <p:cNvSpPr/>
+          <p:nvPr/>
+        </p:nvSpPr>
+        <p:spPr>
+          <a:xfrm>
+            <a:off x="8674100" y="304800"/>
+            <a:ext cx="1473200" cy="647700"/>
+          </a:xfrm>
+          <a:prstGeom prst="roundRect">
+            <a:avLst/>
+          </a:prstGeom>
+        </p:spPr>
+        <p:style>
+          <a:lnRef idx="2">
+            <a:schemeClr val="accent1">
+              <a:shade val="50000"/>
+            </a:schemeClr>
+          </a:lnRef>
+          <a:fillRef idx="1">
+            <a:schemeClr val="accent1"/>
+          </a:fillRef>
+          <a:effectRef idx="0">
+            <a:schemeClr val="accent1"/>
+          </a:effectRef>
+          <a:fontRef idx="minor">
+            <a:schemeClr val="lt1"/>
+          </a:fontRef>
+        </p:style>
+        <p:txBody>
+          <a:bodyPr rtlCol="0" anchor="ctr"/>
+          <a:lstStyle/>
+          <a:p>
+            <a:pPr algn="ctr"/>
+            <a:r>
+              <a:rPr lang="ko-KR" altLang="en-US" sz="2500" b="1" dirty="0" smtClean="0">
+                <a:solidFill>
+                  <a:schemeClr val="tx1"/>
+                </a:solidFill>
+                <a:latin typeface="Inter" panose="020B0502030000000004" pitchFamily="34" charset="0"/>
+                <a:hlinkClick r:id="rId3" action="ppaction://hlinksldjump"/>
+              </a:rPr>
+              <a:t>홈으로</a:t>
+            </a:r>
+            <a:endParaRPr lang="ko-KR" altLang="en-US" sz="2500" b="1" dirty="0">
+              <a:solidFill>
+                <a:schemeClr val="tx1"/>
+              </a:solidFill>
+              <a:latin typeface="Inter" panose="020B0502030000000004" pitchFamily="34" charset="0"/>
+            </a:endParaRPr>
+          </a:p>
+        </p:txBody>
+      </p:sp>
     </p:spTree>
     <p:extLst>
       <p:ext uri="{BB962C8B-B14F-4D97-AF65-F5344CB8AC3E}">
-        <p14:creationId xmlns:p14="http://schemas.microsoft.com/office/powerpoint/2010/main" val="1342498037"/>
+        <p14:creationId xmlns:p14="http://schemas.microsoft.com/office/powerpoint/2010/main" val="2293003265"/>
       </p:ext>
     </p:extLst>
   </p:cSld>
@@ -11673,10 +12705,65 @@
           </a:p>
         </p:txBody>
       </p:sp>
+      <p:sp>
+        <p:nvSpPr>
+          <p:cNvPr id="5" name="모서리가 둥근 직사각형 4"/>
+          <p:cNvSpPr/>
+          <p:nvPr/>
+        </p:nvSpPr>
+        <p:spPr>
+          <a:xfrm>
+            <a:off x="8674100" y="304800"/>
+            <a:ext cx="1473200" cy="647700"/>
+          </a:xfrm>
+          <a:prstGeom prst="roundRect">
+            <a:avLst/>
+          </a:prstGeom>
+        </p:spPr>
+        <p:style>
+          <a:lnRef idx="2">
+            <a:schemeClr val="accent1">
+              <a:shade val="50000"/>
+            </a:schemeClr>
+          </a:lnRef>
+          <a:fillRef idx="1">
+            <a:schemeClr val="accent1"/>
+          </a:fillRef>
+          <a:effectRef idx="0">
+            <a:schemeClr val="accent1"/>
+          </a:effectRef>
+          <a:fontRef idx="minor">
+            <a:schemeClr val="lt1"/>
+          </a:fontRef>
+        </p:style>
+        <p:txBody>
+          <a:bodyPr rtlCol="0" anchor="ctr"/>
+          <a:lstStyle/>
+          <a:p>
+            <a:pPr algn="ctr"/>
+            <a:r>
+              <a:rPr lang="ko-KR" altLang="en-US" sz="2500" b="1" dirty="0" smtClean="0">
+                <a:solidFill>
+                  <a:schemeClr val="tx1"/>
+                </a:solidFill>
+                <a:latin typeface="Inter" panose="020B0502030000000004" pitchFamily="34" charset="0"/>
+                <a:hlinkClick r:id="rId3" action="ppaction://hlinksldjump"/>
+              </a:rPr>
+              <a:t>홈으로</a:t>
+            </a:r>
+            <a:endParaRPr lang="ko-KR" altLang="en-US" sz="2500" b="1" dirty="0">
+              <a:solidFill>
+                <a:schemeClr val="tx1"/>
+              </a:solidFill>
+              <a:latin typeface="Inter" panose="020B0502030000000004" pitchFamily="34" charset="0"/>
+            </a:endParaRPr>
+          </a:p>
+        </p:txBody>
+      </p:sp>
     </p:spTree>
     <p:extLst>
       <p:ext uri="{BB962C8B-B14F-4D97-AF65-F5344CB8AC3E}">
-        <p14:creationId xmlns:p14="http://schemas.microsoft.com/office/powerpoint/2010/main" val="2952442556"/>
+        <p14:creationId xmlns:p14="http://schemas.microsoft.com/office/powerpoint/2010/main" val="175664086"/>
       </p:ext>
     </p:extLst>
   </p:cSld>
@@ -11855,10 +12942,65 @@
           </a:p>
         </p:txBody>
       </p:sp>
+      <p:sp>
+        <p:nvSpPr>
+          <p:cNvPr id="8" name="모서리가 둥근 직사각형 7"/>
+          <p:cNvSpPr/>
+          <p:nvPr/>
+        </p:nvSpPr>
+        <p:spPr>
+          <a:xfrm>
+            <a:off x="8674100" y="304800"/>
+            <a:ext cx="1473200" cy="647700"/>
+          </a:xfrm>
+          <a:prstGeom prst="roundRect">
+            <a:avLst/>
+          </a:prstGeom>
+        </p:spPr>
+        <p:style>
+          <a:lnRef idx="2">
+            <a:schemeClr val="accent1">
+              <a:shade val="50000"/>
+            </a:schemeClr>
+          </a:lnRef>
+          <a:fillRef idx="1">
+            <a:schemeClr val="accent1"/>
+          </a:fillRef>
+          <a:effectRef idx="0">
+            <a:schemeClr val="accent1"/>
+          </a:effectRef>
+          <a:fontRef idx="minor">
+            <a:schemeClr val="lt1"/>
+          </a:fontRef>
+        </p:style>
+        <p:txBody>
+          <a:bodyPr rtlCol="0" anchor="ctr"/>
+          <a:lstStyle/>
+          <a:p>
+            <a:pPr algn="ctr"/>
+            <a:r>
+              <a:rPr lang="ko-KR" altLang="en-US" sz="2500" b="1" dirty="0" smtClean="0">
+                <a:solidFill>
+                  <a:schemeClr val="tx1"/>
+                </a:solidFill>
+                <a:latin typeface="Inter" panose="020B0502030000000004" pitchFamily="34" charset="0"/>
+                <a:hlinkClick r:id="rId3" action="ppaction://hlinksldjump"/>
+              </a:rPr>
+              <a:t>홈으로</a:t>
+            </a:r>
+            <a:endParaRPr lang="ko-KR" altLang="en-US" sz="2500" b="1" dirty="0">
+              <a:solidFill>
+                <a:schemeClr val="tx1"/>
+              </a:solidFill>
+              <a:latin typeface="Inter" panose="020B0502030000000004" pitchFamily="34" charset="0"/>
+            </a:endParaRPr>
+          </a:p>
+        </p:txBody>
+      </p:sp>
     </p:spTree>
     <p:extLst>
       <p:ext uri="{BB962C8B-B14F-4D97-AF65-F5344CB8AC3E}">
-        <p14:creationId xmlns:p14="http://schemas.microsoft.com/office/powerpoint/2010/main" val="228938864"/>
+        <p14:creationId xmlns:p14="http://schemas.microsoft.com/office/powerpoint/2010/main" val="3207190942"/>
       </p:ext>
     </p:extLst>
   </p:cSld>
@@ -12037,10 +13179,65 @@
           </a:p>
         </p:txBody>
       </p:sp>
+      <p:sp>
+        <p:nvSpPr>
+          <p:cNvPr id="6" name="모서리가 둥근 직사각형 5"/>
+          <p:cNvSpPr/>
+          <p:nvPr/>
+        </p:nvSpPr>
+        <p:spPr>
+          <a:xfrm>
+            <a:off x="8674100" y="304800"/>
+            <a:ext cx="1473200" cy="647700"/>
+          </a:xfrm>
+          <a:prstGeom prst="roundRect">
+            <a:avLst/>
+          </a:prstGeom>
+        </p:spPr>
+        <p:style>
+          <a:lnRef idx="2">
+            <a:schemeClr val="accent1">
+              <a:shade val="50000"/>
+            </a:schemeClr>
+          </a:lnRef>
+          <a:fillRef idx="1">
+            <a:schemeClr val="accent1"/>
+          </a:fillRef>
+          <a:effectRef idx="0">
+            <a:schemeClr val="accent1"/>
+          </a:effectRef>
+          <a:fontRef idx="minor">
+            <a:schemeClr val="lt1"/>
+          </a:fontRef>
+        </p:style>
+        <p:txBody>
+          <a:bodyPr rtlCol="0" anchor="ctr"/>
+          <a:lstStyle/>
+          <a:p>
+            <a:pPr algn="ctr"/>
+            <a:r>
+              <a:rPr lang="ko-KR" altLang="en-US" sz="2500" b="1" dirty="0" smtClean="0">
+                <a:solidFill>
+                  <a:schemeClr val="tx1"/>
+                </a:solidFill>
+                <a:latin typeface="Inter" panose="020B0502030000000004" pitchFamily="34" charset="0"/>
+                <a:hlinkClick r:id="rId3" action="ppaction://hlinksldjump"/>
+              </a:rPr>
+              <a:t>홈으로</a:t>
+            </a:r>
+            <a:endParaRPr lang="ko-KR" altLang="en-US" sz="2500" b="1" dirty="0">
+              <a:solidFill>
+                <a:schemeClr val="tx1"/>
+              </a:solidFill>
+              <a:latin typeface="Inter" panose="020B0502030000000004" pitchFamily="34" charset="0"/>
+            </a:endParaRPr>
+          </a:p>
+        </p:txBody>
+      </p:sp>
     </p:spTree>
     <p:extLst>
       <p:ext uri="{BB962C8B-B14F-4D97-AF65-F5344CB8AC3E}">
-        <p14:creationId xmlns:p14="http://schemas.microsoft.com/office/powerpoint/2010/main" val="2405723264"/>
+        <p14:creationId xmlns:p14="http://schemas.microsoft.com/office/powerpoint/2010/main" val="4016047839"/>
       </p:ext>
     </p:extLst>
   </p:cSld>
@@ -12271,10 +13468,65 @@
           </a:p>
         </p:txBody>
       </p:sp>
+      <p:sp>
+        <p:nvSpPr>
+          <p:cNvPr id="8" name="모서리가 둥근 직사각형 7"/>
+          <p:cNvSpPr/>
+          <p:nvPr/>
+        </p:nvSpPr>
+        <p:spPr>
+          <a:xfrm>
+            <a:off x="8674100" y="304800"/>
+            <a:ext cx="1473200" cy="647700"/>
+          </a:xfrm>
+          <a:prstGeom prst="roundRect">
+            <a:avLst/>
+          </a:prstGeom>
+        </p:spPr>
+        <p:style>
+          <a:lnRef idx="2">
+            <a:schemeClr val="accent1">
+              <a:shade val="50000"/>
+            </a:schemeClr>
+          </a:lnRef>
+          <a:fillRef idx="1">
+            <a:schemeClr val="accent1"/>
+          </a:fillRef>
+          <a:effectRef idx="0">
+            <a:schemeClr val="accent1"/>
+          </a:effectRef>
+          <a:fontRef idx="minor">
+            <a:schemeClr val="lt1"/>
+          </a:fontRef>
+        </p:style>
+        <p:txBody>
+          <a:bodyPr rtlCol="0" anchor="ctr"/>
+          <a:lstStyle/>
+          <a:p>
+            <a:pPr algn="ctr"/>
+            <a:r>
+              <a:rPr lang="ko-KR" altLang="en-US" sz="2500" b="1" dirty="0" smtClean="0">
+                <a:solidFill>
+                  <a:schemeClr val="tx1"/>
+                </a:solidFill>
+                <a:latin typeface="Inter" panose="020B0502030000000004" pitchFamily="34" charset="0"/>
+                <a:hlinkClick r:id="rId3" action="ppaction://hlinksldjump"/>
+              </a:rPr>
+              <a:t>홈으로</a:t>
+            </a:r>
+            <a:endParaRPr lang="ko-KR" altLang="en-US" sz="2500" b="1" dirty="0">
+              <a:solidFill>
+                <a:schemeClr val="tx1"/>
+              </a:solidFill>
+              <a:latin typeface="Inter" panose="020B0502030000000004" pitchFamily="34" charset="0"/>
+            </a:endParaRPr>
+          </a:p>
+        </p:txBody>
+      </p:sp>
     </p:spTree>
     <p:extLst>
       <p:ext uri="{BB962C8B-B14F-4D97-AF65-F5344CB8AC3E}">
-        <p14:creationId xmlns:p14="http://schemas.microsoft.com/office/powerpoint/2010/main" val="2158509884"/>
+        <p14:creationId xmlns:p14="http://schemas.microsoft.com/office/powerpoint/2010/main" val="250854339"/>
       </p:ext>
     </p:extLst>
   </p:cSld>
@@ -12404,10 +13656,65 @@
           </a:p>
         </p:txBody>
       </p:sp>
+      <p:sp>
+        <p:nvSpPr>
+          <p:cNvPr id="5" name="모서리가 둥근 직사각형 4"/>
+          <p:cNvSpPr/>
+          <p:nvPr/>
+        </p:nvSpPr>
+        <p:spPr>
+          <a:xfrm>
+            <a:off x="8674100" y="304800"/>
+            <a:ext cx="1473200" cy="647700"/>
+          </a:xfrm>
+          <a:prstGeom prst="roundRect">
+            <a:avLst/>
+          </a:prstGeom>
+        </p:spPr>
+        <p:style>
+          <a:lnRef idx="2">
+            <a:schemeClr val="accent1">
+              <a:shade val="50000"/>
+            </a:schemeClr>
+          </a:lnRef>
+          <a:fillRef idx="1">
+            <a:schemeClr val="accent1"/>
+          </a:fillRef>
+          <a:effectRef idx="0">
+            <a:schemeClr val="accent1"/>
+          </a:effectRef>
+          <a:fontRef idx="minor">
+            <a:schemeClr val="lt1"/>
+          </a:fontRef>
+        </p:style>
+        <p:txBody>
+          <a:bodyPr rtlCol="0" anchor="ctr"/>
+          <a:lstStyle/>
+          <a:p>
+            <a:pPr algn="ctr"/>
+            <a:r>
+              <a:rPr lang="ko-KR" altLang="en-US" sz="2500" b="1" dirty="0" smtClean="0">
+                <a:solidFill>
+                  <a:schemeClr val="tx1"/>
+                </a:solidFill>
+                <a:latin typeface="Inter" panose="020B0502030000000004" pitchFamily="34" charset="0"/>
+                <a:hlinkClick r:id="rId3" action="ppaction://hlinksldjump"/>
+              </a:rPr>
+              <a:t>홈으로</a:t>
+            </a:r>
+            <a:endParaRPr lang="ko-KR" altLang="en-US" sz="2500" b="1" dirty="0">
+              <a:solidFill>
+                <a:schemeClr val="tx1"/>
+              </a:solidFill>
+              <a:latin typeface="Inter" panose="020B0502030000000004" pitchFamily="34" charset="0"/>
+            </a:endParaRPr>
+          </a:p>
+        </p:txBody>
+      </p:sp>
     </p:spTree>
     <p:extLst>
       <p:ext uri="{BB962C8B-B14F-4D97-AF65-F5344CB8AC3E}">
-        <p14:creationId xmlns:p14="http://schemas.microsoft.com/office/powerpoint/2010/main" val="2750375546"/>
+        <p14:creationId xmlns:p14="http://schemas.microsoft.com/office/powerpoint/2010/main" val="2572386532"/>
       </p:ext>
     </p:extLst>
   </p:cSld>
@@ -12585,10 +13892,65 @@
           </a:p>
         </p:txBody>
       </p:sp>
+      <p:sp>
+        <p:nvSpPr>
+          <p:cNvPr id="6" name="모서리가 둥근 직사각형 5"/>
+          <p:cNvSpPr/>
+          <p:nvPr/>
+        </p:nvSpPr>
+        <p:spPr>
+          <a:xfrm>
+            <a:off x="8674100" y="304800"/>
+            <a:ext cx="1473200" cy="647700"/>
+          </a:xfrm>
+          <a:prstGeom prst="roundRect">
+            <a:avLst/>
+          </a:prstGeom>
+        </p:spPr>
+        <p:style>
+          <a:lnRef idx="2">
+            <a:schemeClr val="accent1">
+              <a:shade val="50000"/>
+            </a:schemeClr>
+          </a:lnRef>
+          <a:fillRef idx="1">
+            <a:schemeClr val="accent1"/>
+          </a:fillRef>
+          <a:effectRef idx="0">
+            <a:schemeClr val="accent1"/>
+          </a:effectRef>
+          <a:fontRef idx="minor">
+            <a:schemeClr val="lt1"/>
+          </a:fontRef>
+        </p:style>
+        <p:txBody>
+          <a:bodyPr rtlCol="0" anchor="ctr"/>
+          <a:lstStyle/>
+          <a:p>
+            <a:pPr algn="ctr"/>
+            <a:r>
+              <a:rPr lang="ko-KR" altLang="en-US" sz="2500" b="1" dirty="0" smtClean="0">
+                <a:solidFill>
+                  <a:schemeClr val="tx1"/>
+                </a:solidFill>
+                <a:latin typeface="Inter" panose="020B0502030000000004" pitchFamily="34" charset="0"/>
+                <a:hlinkClick r:id="rId3" action="ppaction://hlinksldjump"/>
+              </a:rPr>
+              <a:t>홈으로</a:t>
+            </a:r>
+            <a:endParaRPr lang="ko-KR" altLang="en-US" sz="2500" b="1" dirty="0">
+              <a:solidFill>
+                <a:schemeClr val="tx1"/>
+              </a:solidFill>
+              <a:latin typeface="Inter" panose="020B0502030000000004" pitchFamily="34" charset="0"/>
+            </a:endParaRPr>
+          </a:p>
+        </p:txBody>
+      </p:sp>
     </p:spTree>
     <p:extLst>
       <p:ext uri="{BB962C8B-B14F-4D97-AF65-F5344CB8AC3E}">
-        <p14:creationId xmlns:p14="http://schemas.microsoft.com/office/powerpoint/2010/main" val="4096103229"/>
+        <p14:creationId xmlns:p14="http://schemas.microsoft.com/office/powerpoint/2010/main" val="1763977865"/>
       </p:ext>
     </p:extLst>
   </p:cSld>
@@ -12767,10 +14129,65 @@
           </a:p>
         </p:txBody>
       </p:sp>
+      <p:sp>
+        <p:nvSpPr>
+          <p:cNvPr id="8" name="모서리가 둥근 직사각형 7"/>
+          <p:cNvSpPr/>
+          <p:nvPr/>
+        </p:nvSpPr>
+        <p:spPr>
+          <a:xfrm>
+            <a:off x="8674100" y="304800"/>
+            <a:ext cx="1473200" cy="647700"/>
+          </a:xfrm>
+          <a:prstGeom prst="roundRect">
+            <a:avLst/>
+          </a:prstGeom>
+        </p:spPr>
+        <p:style>
+          <a:lnRef idx="2">
+            <a:schemeClr val="accent1">
+              <a:shade val="50000"/>
+            </a:schemeClr>
+          </a:lnRef>
+          <a:fillRef idx="1">
+            <a:schemeClr val="accent1"/>
+          </a:fillRef>
+          <a:effectRef idx="0">
+            <a:schemeClr val="accent1"/>
+          </a:effectRef>
+          <a:fontRef idx="minor">
+            <a:schemeClr val="lt1"/>
+          </a:fontRef>
+        </p:style>
+        <p:txBody>
+          <a:bodyPr rtlCol="0" anchor="ctr"/>
+          <a:lstStyle/>
+          <a:p>
+            <a:pPr algn="ctr"/>
+            <a:r>
+              <a:rPr lang="ko-KR" altLang="en-US" sz="2500" b="1" dirty="0" smtClean="0">
+                <a:solidFill>
+                  <a:schemeClr val="tx1"/>
+                </a:solidFill>
+                <a:latin typeface="Inter" panose="020B0502030000000004" pitchFamily="34" charset="0"/>
+                <a:hlinkClick r:id="rId3" action="ppaction://hlinksldjump"/>
+              </a:rPr>
+              <a:t>홈으로</a:t>
+            </a:r>
+            <a:endParaRPr lang="ko-KR" altLang="en-US" sz="2500" b="1" dirty="0">
+              <a:solidFill>
+                <a:schemeClr val="tx1"/>
+              </a:solidFill>
+              <a:latin typeface="Inter" panose="020B0502030000000004" pitchFamily="34" charset="0"/>
+            </a:endParaRPr>
+          </a:p>
+        </p:txBody>
+      </p:sp>
     </p:spTree>
     <p:extLst>
       <p:ext uri="{BB962C8B-B14F-4D97-AF65-F5344CB8AC3E}">
-        <p14:creationId xmlns:p14="http://schemas.microsoft.com/office/powerpoint/2010/main" val="4061844642"/>
+        <p14:creationId xmlns:p14="http://schemas.microsoft.com/office/powerpoint/2010/main" val="1210148014"/>
       </p:ext>
     </p:extLst>
   </p:cSld>
